--- a/slides/05-Metaclasses.pptx
+++ b/slides/05-Metaclasses.pptx
@@ -29,8 +29,8 @@
     <p:sldId id="283" r:id="rId20"/>
     <p:sldId id="284" r:id="rId21"/>
     <p:sldId id="267" r:id="rId22"/>
-    <p:sldId id="265" r:id="rId23"/>
-    <p:sldId id="266" r:id="rId24"/>
+    <p:sldId id="266" r:id="rId23"/>
+    <p:sldId id="265" r:id="rId24"/>
   </p:sldIdLst>
   <p:sldSz cx="12192000" cy="6858000"/>
   <p:notesSz cx="6858000" cy="9144000"/>
@@ -2786,7 +2786,7 @@
           <a:p>
             <a:fld id="{27CEEA13-23F5-194B-B1CF-CF175090CBFA}" type="datetimeFigureOut">
               <a:rPr lang="en-US" smtClean="0"/>
-              <a:t>10/8/18</a:t>
+              <a:t>10/14/18</a:t>
             </a:fld>
             <a:endParaRPr lang="en-US"/>
           </a:p>
@@ -3214,7 +3214,7 @@
           <a:p>
             <a:fld id="{2DD5D53E-635E-BD41-B5CC-A796D6DD661B}" type="datetimeFigureOut">
               <a:rPr lang="en-US" smtClean="0"/>
-              <a:t>10/8/18</a:t>
+              <a:t>10/14/18</a:t>
             </a:fld>
             <a:endParaRPr lang="en-US"/>
           </a:p>
@@ -3544,7 +3544,7 @@
           <a:p>
             <a:fld id="{2DD5D53E-635E-BD41-B5CC-A796D6DD661B}" type="datetimeFigureOut">
               <a:rPr lang="en-US" smtClean="0"/>
-              <a:t>10/8/18</a:t>
+              <a:t>10/14/18</a:t>
             </a:fld>
             <a:endParaRPr lang="en-US"/>
           </a:p>
@@ -3724,7 +3724,7 @@
           <a:p>
             <a:fld id="{2DD5D53E-635E-BD41-B5CC-A796D6DD661B}" type="datetimeFigureOut">
               <a:rPr lang="en-US" smtClean="0"/>
-              <a:t>10/8/18</a:t>
+              <a:t>10/14/18</a:t>
             </a:fld>
             <a:endParaRPr lang="en-US"/>
           </a:p>
@@ -3894,7 +3894,7 @@
           <a:p>
             <a:fld id="{2DD5D53E-635E-BD41-B5CC-A796D6DD661B}" type="datetimeFigureOut">
               <a:rPr lang="en-US" smtClean="0"/>
-              <a:t>10/8/18</a:t>
+              <a:t>10/14/18</a:t>
             </a:fld>
             <a:endParaRPr lang="en-US"/>
           </a:p>
@@ -4166,7 +4166,7 @@
           <a:p>
             <a:fld id="{2DD5D53E-635E-BD41-B5CC-A796D6DD661B}" type="datetimeFigureOut">
               <a:rPr lang="en-US" smtClean="0"/>
-              <a:t>10/8/18</a:t>
+              <a:t>10/14/18</a:t>
             </a:fld>
             <a:endParaRPr lang="en-US"/>
           </a:p>
@@ -4560,7 +4560,7 @@
           <a:p>
             <a:fld id="{2DD5D53E-635E-BD41-B5CC-A796D6DD661B}" type="datetimeFigureOut">
               <a:rPr lang="en-US" smtClean="0"/>
-              <a:t>10/8/18</a:t>
+              <a:t>10/14/18</a:t>
             </a:fld>
             <a:endParaRPr lang="en-US"/>
           </a:p>
@@ -5037,7 +5037,7 @@
           <a:p>
             <a:fld id="{2DD5D53E-635E-BD41-B5CC-A796D6DD661B}" type="datetimeFigureOut">
               <a:rPr lang="en-US" smtClean="0"/>
-              <a:t>10/8/18</a:t>
+              <a:t>10/14/18</a:t>
             </a:fld>
             <a:endParaRPr lang="en-US"/>
           </a:p>
@@ -5155,7 +5155,7 @@
           <a:p>
             <a:fld id="{2DD5D53E-635E-BD41-B5CC-A796D6DD661B}" type="datetimeFigureOut">
               <a:rPr lang="en-US" smtClean="0"/>
-              <a:t>10/8/18</a:t>
+              <a:t>10/14/18</a:t>
             </a:fld>
             <a:endParaRPr lang="en-US"/>
           </a:p>
@@ -5250,7 +5250,7 @@
           <a:p>
             <a:fld id="{2DD5D53E-635E-BD41-B5CC-A796D6DD661B}" type="datetimeFigureOut">
               <a:rPr lang="en-US" smtClean="0"/>
-              <a:t>10/8/18</a:t>
+              <a:t>10/14/18</a:t>
             </a:fld>
             <a:endParaRPr lang="en-US"/>
           </a:p>
@@ -5596,7 +5596,7 @@
           <a:p>
             <a:fld id="{2DD5D53E-635E-BD41-B5CC-A796D6DD661B}" type="datetimeFigureOut">
               <a:rPr lang="en-US" smtClean="0"/>
-              <a:t>10/8/18</a:t>
+              <a:t>10/14/18</a:t>
             </a:fld>
             <a:endParaRPr lang="en-US"/>
           </a:p>
@@ -5984,7 +5984,7 @@
           <a:p>
             <a:fld id="{2DD5D53E-635E-BD41-B5CC-A796D6DD661B}" type="datetimeFigureOut">
               <a:rPr lang="en-US" smtClean="0"/>
-              <a:t>10/8/18</a:t>
+              <a:t>10/14/18</a:t>
             </a:fld>
             <a:endParaRPr lang="en-US"/>
           </a:p>
@@ -6259,7 +6259,7 @@
           <a:p>
             <a:fld id="{2DD5D53E-635E-BD41-B5CC-A796D6DD661B}" type="datetimeFigureOut">
               <a:rPr lang="en-US" smtClean="0"/>
-              <a:t>10/8/18</a:t>
+              <a:t>10/14/18</a:t>
             </a:fld>
             <a:endParaRPr lang="en-US"/>
           </a:p>
@@ -13770,7 +13770,7 @@
                                           </p:stCondLst>
                                         </p:cTn>
                                         <p:tgtEl>
-                                          <p:spTgt spid="4">
+                                          <p:spTgt spid="5">
                                             <p:bg/>
                                           </p:spTgt>
                                         </p:tgtEl>
@@ -13786,7 +13786,7 @@
                                       <p:cBhvr>
                                         <p:cTn id="7" dur="500"/>
                                         <p:tgtEl>
-                                          <p:spTgt spid="4">
+                                          <p:spTgt spid="5">
                                             <p:bg/>
                                           </p:spTgt>
                                         </p:tgtEl>
@@ -13827,7 +13827,7 @@
                                           </p:stCondLst>
                                         </p:cTn>
                                         <p:tgtEl>
-                                          <p:spTgt spid="4">
+                                          <p:spTgt spid="5">
                                             <p:txEl>
                                               <p:pRg st="0" end="0"/>
                                             </p:txEl>
@@ -13845,7 +13845,7 @@
                                       <p:cBhvr>
                                         <p:cTn id="12" dur="500"/>
                                         <p:tgtEl>
-                                          <p:spTgt spid="4">
+                                          <p:spTgt spid="5">
                                             <p:txEl>
                                               <p:pRg st="0" end="0"/>
                                             </p:txEl>
@@ -13888,7 +13888,7 @@
                                           </p:stCondLst>
                                         </p:cTn>
                                         <p:tgtEl>
-                                          <p:spTgt spid="4">
+                                          <p:spTgt spid="5">
                                             <p:txEl>
                                               <p:pRg st="1" end="1"/>
                                             </p:txEl>
@@ -13906,9 +13906,138 @@
                                       <p:cBhvr>
                                         <p:cTn id="17" dur="500"/>
                                         <p:tgtEl>
-                                          <p:spTgt spid="4">
+                                          <p:spTgt spid="5">
                                             <p:txEl>
                                               <p:pRg st="1" end="1"/>
+                                            </p:txEl>
+                                          </p:spTgt>
+                                        </p:tgtEl>
+                                      </p:cBhvr>
+                                    </p:animEffect>
+                                  </p:childTnLst>
+                                </p:cTn>
+                              </p:par>
+                              <p:par>
+                                <p:cTn id="18" presetID="22" presetClass="entr" presetSubtype="8" fill="hold" grpId="0" nodeType="withEffect">
+                                  <p:stCondLst>
+                                    <p:cond delay="0"/>
+                                  </p:stCondLst>
+                                  <p:childTnLst>
+                                    <p:set>
+                                      <p:cBhvr>
+                                        <p:cTn id="19" dur="1" fill="hold">
+                                          <p:stCondLst>
+                                            <p:cond delay="0"/>
+                                          </p:stCondLst>
+                                        </p:cTn>
+                                        <p:tgtEl>
+                                          <p:spTgt spid="5">
+                                            <p:txEl>
+                                              <p:pRg st="2" end="2"/>
+                                            </p:txEl>
+                                          </p:spTgt>
+                                        </p:tgtEl>
+                                        <p:attrNameLst>
+                                          <p:attrName>style.visibility</p:attrName>
+                                        </p:attrNameLst>
+                                      </p:cBhvr>
+                                      <p:to>
+                                        <p:strVal val="visible"/>
+                                      </p:to>
+                                    </p:set>
+                                    <p:animEffect transition="in" filter="wipe(left)">
+                                      <p:cBhvr>
+                                        <p:cTn id="20" dur="500"/>
+                                        <p:tgtEl>
+                                          <p:spTgt spid="5">
+                                            <p:txEl>
+                                              <p:pRg st="2" end="2"/>
+                                            </p:txEl>
+                                          </p:spTgt>
+                                        </p:tgtEl>
+                                      </p:cBhvr>
+                                    </p:animEffect>
+                                  </p:childTnLst>
+                                </p:cTn>
+                              </p:par>
+                              <p:par>
+                                <p:cTn id="21" presetID="22" presetClass="entr" presetSubtype="8" fill="hold" grpId="0" nodeType="withEffect">
+                                  <p:stCondLst>
+                                    <p:cond delay="0"/>
+                                  </p:stCondLst>
+                                  <p:childTnLst>
+                                    <p:set>
+                                      <p:cBhvr>
+                                        <p:cTn id="22" dur="1" fill="hold">
+                                          <p:stCondLst>
+                                            <p:cond delay="0"/>
+                                          </p:stCondLst>
+                                        </p:cTn>
+                                        <p:tgtEl>
+                                          <p:spTgt spid="5">
+                                            <p:txEl>
+                                              <p:pRg st="3" end="3"/>
+                                            </p:txEl>
+                                          </p:spTgt>
+                                        </p:tgtEl>
+                                        <p:attrNameLst>
+                                          <p:attrName>style.visibility</p:attrName>
+                                        </p:attrNameLst>
+                                      </p:cBhvr>
+                                      <p:to>
+                                        <p:strVal val="visible"/>
+                                      </p:to>
+                                    </p:set>
+                                    <p:animEffect transition="in" filter="wipe(left)">
+                                      <p:cBhvr>
+                                        <p:cTn id="23" dur="500"/>
+                                        <p:tgtEl>
+                                          <p:spTgt spid="5">
+                                            <p:txEl>
+                                              <p:pRg st="3" end="3"/>
+                                            </p:txEl>
+                                          </p:spTgt>
+                                        </p:tgtEl>
+                                      </p:cBhvr>
+                                    </p:animEffect>
+                                  </p:childTnLst>
+                                </p:cTn>
+                              </p:par>
+                              <p:par>
+                                <p:cTn id="24" presetID="22" presetClass="entr" presetSubtype="8" fill="hold" grpId="0" nodeType="withEffect">
+                                  <p:stCondLst>
+                                    <p:cond delay="0"/>
+                                  </p:stCondLst>
+                                  <p:childTnLst>
+                                    <p:set>
+                                      <p:cBhvr>
+                                        <p:cTn id="25" dur="1" fill="hold">
+                                          <p:stCondLst>
+                                            <p:cond delay="0"/>
+                                          </p:stCondLst>
+                                        </p:cTn>
+                                        <p:tgtEl>
+                                          <p:spTgt spid="5">
+                                            <p:txEl>
+                                              <p:pRg st="4" end="4"/>
+                                            </p:txEl>
+                                          </p:spTgt>
+                                        </p:tgtEl>
+                                        <p:attrNameLst>
+                                          <p:attrName>style.visibility</p:attrName>
+                                        </p:attrNameLst>
+                                      </p:cBhvr>
+                                      <p:to>
+                                        <p:strVal val="visible"/>
+                                      </p:to>
+                                    </p:set>
+                                    <p:animEffect transition="in" filter="wipe(left)">
+                                      <p:cBhvr>
+                                        <p:cTn id="26" dur="500"/>
+                                        <p:tgtEl>
+                                          <p:spTgt spid="5">
+                                            <p:txEl>
+                                              <p:pRg st="4" end="4"/>
                                             </p:txEl>
                                           </p:spTgt>
                                         </p:tgtEl>
@@ -13924,34 +14053,34 @@
                     </p:cTn>
                   </p:par>
                   <p:par>
-                    <p:cTn id="18" fill="hold">
+                    <p:cTn id="27" fill="hold">
                       <p:stCondLst>
                         <p:cond delay="indefinite"/>
                       </p:stCondLst>
                       <p:childTnLst>
                         <p:par>
-                          <p:cTn id="19" fill="hold">
+                          <p:cTn id="28" fill="hold">
                             <p:stCondLst>
                               <p:cond delay="0"/>
                             </p:stCondLst>
                             <p:childTnLst>
                               <p:par>
-                                <p:cTn id="20" presetID="22" presetClass="entr" presetSubtype="8" fill="hold" grpId="0" nodeType="clickEffect">
+                                <p:cTn id="29" presetID="22" presetClass="entr" presetSubtype="8" fill="hold" grpId="0" nodeType="clickEffect">
                                   <p:stCondLst>
                                     <p:cond delay="0"/>
                                   </p:stCondLst>
                                   <p:childTnLst>
                                     <p:set>
                                       <p:cBhvr>
-                                        <p:cTn id="21" dur="1" fill="hold">
+                                        <p:cTn id="30" dur="1" fill="hold">
                                           <p:stCondLst>
                                             <p:cond delay="0"/>
                                           </p:stCondLst>
                                         </p:cTn>
                                         <p:tgtEl>
-                                          <p:spTgt spid="4">
+                                          <p:spTgt spid="5">
                                             <p:txEl>
-                                              <p:pRg st="2" end="2"/>
+                                              <p:pRg st="5" end="5"/>
                                             </p:txEl>
                                           </p:spTgt>
                                         </p:tgtEl>
@@ -13965,11 +14094,11 @@
                                     </p:set>
                                     <p:animEffect transition="in" filter="wipe(left)">
                                       <p:cBhvr>
-                                        <p:cTn id="22" dur="500"/>
-                                        <p:tgtEl>
-                                          <p:spTgt spid="4">
+                                        <p:cTn id="31" dur="500"/>
+                                        <p:tgtEl>
+                                          <p:spTgt spid="5">
                                             <p:txEl>
-                                              <p:pRg st="2" end="2"/>
+                                              <p:pRg st="5" end="5"/>
                                             </p:txEl>
                                           </p:spTgt>
                                         </p:tgtEl>
@@ -13985,34 +14114,34 @@
                     </p:cTn>
                   </p:par>
                   <p:par>
-                    <p:cTn id="23" fill="hold">
+                    <p:cTn id="32" fill="hold">
                       <p:stCondLst>
                         <p:cond delay="indefinite"/>
                       </p:stCondLst>
                       <p:childTnLst>
                         <p:par>
-                          <p:cTn id="24" fill="hold">
+                          <p:cTn id="33" fill="hold">
                             <p:stCondLst>
                               <p:cond delay="0"/>
                             </p:stCondLst>
                             <p:childTnLst>
                               <p:par>
-                                <p:cTn id="25" presetID="22" presetClass="entr" presetSubtype="8" fill="hold" grpId="0" nodeType="clickEffect">
+                                <p:cTn id="34" presetID="22" presetClass="entr" presetSubtype="8" fill="hold" grpId="0" nodeType="clickEffect">
                                   <p:stCondLst>
                                     <p:cond delay="0"/>
                                   </p:stCondLst>
                                   <p:childTnLst>
                                     <p:set>
                                       <p:cBhvr>
-                                        <p:cTn id="26" dur="1" fill="hold">
+                                        <p:cTn id="35" dur="1" fill="hold">
                                           <p:stCondLst>
                                             <p:cond delay="0"/>
                                           </p:stCondLst>
                                         </p:cTn>
                                         <p:tgtEl>
-                                          <p:spTgt spid="4">
+                                          <p:spTgt spid="5">
                                             <p:txEl>
-                                              <p:pRg st="3" end="3"/>
+                                              <p:pRg st="6" end="6"/>
                                             </p:txEl>
                                           </p:spTgt>
                                         </p:tgtEl>
@@ -14026,11 +14155,11 @@
                                     </p:set>
                                     <p:animEffect transition="in" filter="wipe(left)">
                                       <p:cBhvr>
-                                        <p:cTn id="27" dur="500"/>
-                                        <p:tgtEl>
-                                          <p:spTgt spid="4">
+                                        <p:cTn id="36" dur="500"/>
+                                        <p:tgtEl>
+                                          <p:spTgt spid="5">
                                             <p:txEl>
-                                              <p:pRg st="3" end="3"/>
+                                              <p:pRg st="6" end="6"/>
                                             </p:txEl>
                                           </p:spTgt>
                                         </p:tgtEl>
@@ -14039,41 +14168,23 @@
                                   </p:childTnLst>
                                 </p:cTn>
                               </p:par>
-                            </p:childTnLst>
-                          </p:cTn>
-                        </p:par>
-                      </p:childTnLst>
-                    </p:cTn>
-                  </p:par>
-                  <p:par>
-                    <p:cTn id="28" fill="hold">
-                      <p:stCondLst>
-                        <p:cond delay="indefinite"/>
-                      </p:stCondLst>
-                      <p:childTnLst>
-                        <p:par>
-                          <p:cTn id="29" fill="hold">
-                            <p:stCondLst>
-                              <p:cond delay="0"/>
-                            </p:stCondLst>
-                            <p:childTnLst>
                               <p:par>
-                                <p:cTn id="30" presetID="22" presetClass="entr" presetSubtype="8" fill="hold" grpId="0" nodeType="clickEffect">
+                                <p:cTn id="37" presetID="22" presetClass="entr" presetSubtype="8" fill="hold" grpId="0" nodeType="withEffect">
                                   <p:stCondLst>
                                     <p:cond delay="0"/>
                                   </p:stCondLst>
                                   <p:childTnLst>
                                     <p:set>
                                       <p:cBhvr>
-                                        <p:cTn id="31" dur="1" fill="hold">
+                                        <p:cTn id="38" dur="1" fill="hold">
                                           <p:stCondLst>
                                             <p:cond delay="0"/>
                                           </p:stCondLst>
                                         </p:cTn>
                                         <p:tgtEl>
-                                          <p:spTgt spid="4">
+                                          <p:spTgt spid="5">
                                             <p:txEl>
-                                              <p:pRg st="4" end="4"/>
+                                              <p:pRg st="7" end="7"/>
                                             </p:txEl>
                                           </p:spTgt>
                                         </p:tgtEl>
@@ -14087,11 +14198,11 @@
                                     </p:set>
                                     <p:animEffect transition="in" filter="wipe(left)">
                                       <p:cBhvr>
-                                        <p:cTn id="32" dur="500"/>
-                                        <p:tgtEl>
-                                          <p:spTgt spid="4">
+                                        <p:cTn id="39" dur="500"/>
+                                        <p:tgtEl>
+                                          <p:spTgt spid="5">
                                             <p:txEl>
-                                              <p:pRg st="4" end="4"/>
+                                              <p:pRg st="7" end="7"/>
                                             </p:txEl>
                                           </p:spTgt>
                                         </p:tgtEl>
@@ -14100,41 +14211,23 @@
                                   </p:childTnLst>
                                 </p:cTn>
                               </p:par>
-                            </p:childTnLst>
-                          </p:cTn>
-                        </p:par>
-                      </p:childTnLst>
-                    </p:cTn>
-                  </p:par>
-                  <p:par>
-                    <p:cTn id="33" fill="hold">
-                      <p:stCondLst>
-                        <p:cond delay="indefinite"/>
-                      </p:stCondLst>
-                      <p:childTnLst>
-                        <p:par>
-                          <p:cTn id="34" fill="hold">
-                            <p:stCondLst>
-                              <p:cond delay="0"/>
-                            </p:stCondLst>
-                            <p:childTnLst>
                               <p:par>
-                                <p:cTn id="35" presetID="22" presetClass="entr" presetSubtype="8" fill="hold" grpId="0" nodeType="clickEffect">
+                                <p:cTn id="40" presetID="22" presetClass="entr" presetSubtype="8" fill="hold" grpId="0" nodeType="withEffect">
                                   <p:stCondLst>
                                     <p:cond delay="0"/>
                                   </p:stCondLst>
                                   <p:childTnLst>
                                     <p:set>
                                       <p:cBhvr>
-                                        <p:cTn id="36" dur="1" fill="hold">
+                                        <p:cTn id="41" dur="1" fill="hold">
                                           <p:stCondLst>
                                             <p:cond delay="0"/>
                                           </p:stCondLst>
                                         </p:cTn>
                                         <p:tgtEl>
-                                          <p:spTgt spid="4">
+                                          <p:spTgt spid="5">
                                             <p:txEl>
-                                              <p:pRg st="5" end="5"/>
+                                              <p:pRg st="8" end="8"/>
                                             </p:txEl>
                                           </p:spTgt>
                                         </p:tgtEl>
@@ -14148,11 +14241,11 @@
                                     </p:set>
                                     <p:animEffect transition="in" filter="wipe(left)">
                                       <p:cBhvr>
-                                        <p:cTn id="37" dur="500"/>
-                                        <p:tgtEl>
-                                          <p:spTgt spid="4">
+                                        <p:cTn id="42" dur="500"/>
+                                        <p:tgtEl>
+                                          <p:spTgt spid="5">
                                             <p:txEl>
-                                              <p:pRg st="5" end="5"/>
+                                              <p:pRg st="8" end="8"/>
                                             </p:txEl>
                                           </p:spTgt>
                                         </p:tgtEl>
@@ -14161,41 +14254,23 @@
                                   </p:childTnLst>
                                 </p:cTn>
                               </p:par>
-                            </p:childTnLst>
-                          </p:cTn>
-                        </p:par>
-                      </p:childTnLst>
-                    </p:cTn>
-                  </p:par>
-                  <p:par>
-                    <p:cTn id="38" fill="hold">
-                      <p:stCondLst>
-                        <p:cond delay="indefinite"/>
-                      </p:stCondLst>
-                      <p:childTnLst>
-                        <p:par>
-                          <p:cTn id="39" fill="hold">
-                            <p:stCondLst>
-                              <p:cond delay="0"/>
-                            </p:stCondLst>
-                            <p:childTnLst>
                               <p:par>
-                                <p:cTn id="40" presetID="22" presetClass="entr" presetSubtype="8" fill="hold" grpId="0" nodeType="clickEffect">
+                                <p:cTn id="43" presetID="22" presetClass="entr" presetSubtype="8" fill="hold" grpId="0" nodeType="withEffect">
                                   <p:stCondLst>
                                     <p:cond delay="0"/>
                                   </p:stCondLst>
                                   <p:childTnLst>
                                     <p:set>
                                       <p:cBhvr>
-                                        <p:cTn id="41" dur="1" fill="hold">
+                                        <p:cTn id="44" dur="1" fill="hold">
                                           <p:stCondLst>
                                             <p:cond delay="0"/>
                                           </p:stCondLst>
                                         </p:cTn>
                                         <p:tgtEl>
-                                          <p:spTgt spid="4">
+                                          <p:spTgt spid="5">
                                             <p:txEl>
-                                              <p:pRg st="6" end="6"/>
+                                              <p:pRg st="9" end="9"/>
                                             </p:txEl>
                                           </p:spTgt>
                                         </p:tgtEl>
@@ -14209,477 +14284,11 @@
                                     </p:set>
                                     <p:animEffect transition="in" filter="wipe(left)">
                                       <p:cBhvr>
-                                        <p:cTn id="42" dur="500"/>
-                                        <p:tgtEl>
-                                          <p:spTgt spid="4">
-                                            <p:txEl>
-                                              <p:pRg st="6" end="6"/>
-                                            </p:txEl>
-                                          </p:spTgt>
-                                        </p:tgtEl>
-                                      </p:cBhvr>
-                                    </p:animEffect>
-                                  </p:childTnLst>
-                                </p:cTn>
-                              </p:par>
-                            </p:childTnLst>
-                          </p:cTn>
-                        </p:par>
-                      </p:childTnLst>
-                    </p:cTn>
-                  </p:par>
-                  <p:par>
-                    <p:cTn id="43" fill="hold">
-                      <p:stCondLst>
-                        <p:cond delay="indefinite"/>
-                      </p:stCondLst>
-                      <p:childTnLst>
-                        <p:par>
-                          <p:cTn id="44" fill="hold">
-                            <p:stCondLst>
-                              <p:cond delay="0"/>
-                            </p:stCondLst>
-                            <p:childTnLst>
-                              <p:par>
-                                <p:cTn id="45" presetID="22" presetClass="entr" presetSubtype="8" fill="hold" grpId="0" nodeType="clickEffect">
-                                  <p:stCondLst>
-                                    <p:cond delay="0"/>
-                                  </p:stCondLst>
-                                  <p:childTnLst>
-                                    <p:set>
-                                      <p:cBhvr>
-                                        <p:cTn id="46" dur="1" fill="hold">
-                                          <p:stCondLst>
-                                            <p:cond delay="0"/>
-                                          </p:stCondLst>
-                                        </p:cTn>
-                                        <p:tgtEl>
-                                          <p:spTgt spid="4">
-                                            <p:txEl>
-                                              <p:pRg st="7" end="7"/>
-                                            </p:txEl>
-                                          </p:spTgt>
-                                        </p:tgtEl>
-                                        <p:attrNameLst>
-                                          <p:attrName>style.visibility</p:attrName>
-                                        </p:attrNameLst>
-                                      </p:cBhvr>
-                                      <p:to>
-                                        <p:strVal val="visible"/>
-                                      </p:to>
-                                    </p:set>
-                                    <p:animEffect transition="in" filter="wipe(left)">
-                                      <p:cBhvr>
-                                        <p:cTn id="47" dur="500"/>
-                                        <p:tgtEl>
-                                          <p:spTgt spid="4">
-                                            <p:txEl>
-                                              <p:pRg st="7" end="7"/>
-                                            </p:txEl>
-                                          </p:spTgt>
-                                        </p:tgtEl>
-                                      </p:cBhvr>
-                                    </p:animEffect>
-                                  </p:childTnLst>
-                                </p:cTn>
-                              </p:par>
-                            </p:childTnLst>
-                          </p:cTn>
-                        </p:par>
-                      </p:childTnLst>
-                    </p:cTn>
-                  </p:par>
-                  <p:par>
-                    <p:cTn id="48" fill="hold">
-                      <p:stCondLst>
-                        <p:cond delay="indefinite"/>
-                      </p:stCondLst>
-                      <p:childTnLst>
-                        <p:par>
-                          <p:cTn id="49" fill="hold">
-                            <p:stCondLst>
-                              <p:cond delay="0"/>
-                            </p:stCondLst>
-                            <p:childTnLst>
-                              <p:par>
-                                <p:cTn id="50" presetID="22" presetClass="entr" presetSubtype="8" fill="hold" grpId="0" nodeType="clickEffect">
-                                  <p:stCondLst>
-                                    <p:cond delay="0"/>
-                                  </p:stCondLst>
-                                  <p:childTnLst>
-                                    <p:set>
-                                      <p:cBhvr>
-                                        <p:cTn id="51" dur="1" fill="hold">
-                                          <p:stCondLst>
-                                            <p:cond delay="0"/>
-                                          </p:stCondLst>
-                                        </p:cTn>
-                                        <p:tgtEl>
-                                          <p:spTgt spid="4">
-                                            <p:txEl>
-                                              <p:pRg st="8" end="8"/>
-                                            </p:txEl>
-                                          </p:spTgt>
-                                        </p:tgtEl>
-                                        <p:attrNameLst>
-                                          <p:attrName>style.visibility</p:attrName>
-                                        </p:attrNameLst>
-                                      </p:cBhvr>
-                                      <p:to>
-                                        <p:strVal val="visible"/>
-                                      </p:to>
-                                    </p:set>
-                                    <p:animEffect transition="in" filter="wipe(left)">
-                                      <p:cBhvr>
-                                        <p:cTn id="52" dur="500"/>
-                                        <p:tgtEl>
-                                          <p:spTgt spid="4">
-                                            <p:txEl>
-                                              <p:pRg st="8" end="8"/>
-                                            </p:txEl>
-                                          </p:spTgt>
-                                        </p:tgtEl>
-                                      </p:cBhvr>
-                                    </p:animEffect>
-                                  </p:childTnLst>
-                                </p:cTn>
-                              </p:par>
-                              <p:par>
-                                <p:cTn id="53" presetID="22" presetClass="entr" presetSubtype="8" fill="hold" grpId="0" nodeType="withEffect">
-                                  <p:stCondLst>
-                                    <p:cond delay="0"/>
-                                  </p:stCondLst>
-                                  <p:childTnLst>
-                                    <p:set>
-                                      <p:cBhvr>
-                                        <p:cTn id="54" dur="1" fill="hold">
-                                          <p:stCondLst>
-                                            <p:cond delay="0"/>
-                                          </p:stCondLst>
-                                        </p:cTn>
-                                        <p:tgtEl>
-                                          <p:spTgt spid="5">
-                                            <p:bg/>
-                                          </p:spTgt>
-                                        </p:tgtEl>
-                                        <p:attrNameLst>
-                                          <p:attrName>style.visibility</p:attrName>
-                                        </p:attrNameLst>
-                                      </p:cBhvr>
-                                      <p:to>
-                                        <p:strVal val="visible"/>
-                                      </p:to>
-                                    </p:set>
-                                    <p:animEffect transition="in" filter="wipe(left)">
-                                      <p:cBhvr>
-                                        <p:cTn id="55" dur="500"/>
-                                        <p:tgtEl>
-                                          <p:spTgt spid="5">
-                                            <p:bg/>
-                                          </p:spTgt>
-                                        </p:tgtEl>
-                                      </p:cBhvr>
-                                    </p:animEffect>
-                                  </p:childTnLst>
-                                </p:cTn>
-                              </p:par>
-                            </p:childTnLst>
-                          </p:cTn>
-                        </p:par>
-                      </p:childTnLst>
-                    </p:cTn>
-                  </p:par>
-                  <p:par>
-                    <p:cTn id="56" fill="hold">
-                      <p:stCondLst>
-                        <p:cond delay="indefinite"/>
-                      </p:stCondLst>
-                      <p:childTnLst>
-                        <p:par>
-                          <p:cTn id="57" fill="hold">
-                            <p:stCondLst>
-                              <p:cond delay="0"/>
-                            </p:stCondLst>
-                            <p:childTnLst>
-                              <p:par>
-                                <p:cTn id="58" presetID="22" presetClass="entr" presetSubtype="8" fill="hold" grpId="0" nodeType="clickEffect">
-                                  <p:stCondLst>
-                                    <p:cond delay="0"/>
-                                  </p:stCondLst>
-                                  <p:childTnLst>
-                                    <p:set>
-                                      <p:cBhvr>
-                                        <p:cTn id="59" dur="1" fill="hold">
-                                          <p:stCondLst>
-                                            <p:cond delay="0"/>
-                                          </p:stCondLst>
-                                        </p:cTn>
+                                        <p:cTn id="45" dur="500"/>
                                         <p:tgtEl>
                                           <p:spTgt spid="5">
                                             <p:txEl>
-                                              <p:pRg st="0" end="0"/>
-                                            </p:txEl>
-                                          </p:spTgt>
-                                        </p:tgtEl>
-                                        <p:attrNameLst>
-                                          <p:attrName>style.visibility</p:attrName>
-                                        </p:attrNameLst>
-                                      </p:cBhvr>
-                                      <p:to>
-                                        <p:strVal val="visible"/>
-                                      </p:to>
-                                    </p:set>
-                                    <p:animEffect transition="in" filter="wipe(left)">
-                                      <p:cBhvr>
-                                        <p:cTn id="60" dur="500"/>
-                                        <p:tgtEl>
-                                          <p:spTgt spid="5">
-                                            <p:txEl>
-                                              <p:pRg st="0" end="0"/>
-                                            </p:txEl>
-                                          </p:spTgt>
-                                        </p:tgtEl>
-                                      </p:cBhvr>
-                                    </p:animEffect>
-                                  </p:childTnLst>
-                                </p:cTn>
-                              </p:par>
-                            </p:childTnLst>
-                          </p:cTn>
-                        </p:par>
-                      </p:childTnLst>
-                    </p:cTn>
-                  </p:par>
-                  <p:par>
-                    <p:cTn id="61" fill="hold">
-                      <p:stCondLst>
-                        <p:cond delay="indefinite"/>
-                      </p:stCondLst>
-                      <p:childTnLst>
-                        <p:par>
-                          <p:cTn id="62" fill="hold">
-                            <p:stCondLst>
-                              <p:cond delay="0"/>
-                            </p:stCondLst>
-                            <p:childTnLst>
-                              <p:par>
-                                <p:cTn id="63" presetID="22" presetClass="entr" presetSubtype="8" fill="hold" grpId="0" nodeType="clickEffect">
-                                  <p:stCondLst>
-                                    <p:cond delay="0"/>
-                                  </p:stCondLst>
-                                  <p:childTnLst>
-                                    <p:set>
-                                      <p:cBhvr>
-                                        <p:cTn id="64" dur="1" fill="hold">
-                                          <p:stCondLst>
-                                            <p:cond delay="0"/>
-                                          </p:stCondLst>
-                                        </p:cTn>
-                                        <p:tgtEl>
-                                          <p:spTgt spid="5">
-                                            <p:txEl>
-                                              <p:pRg st="1" end="1"/>
-                                            </p:txEl>
-                                          </p:spTgt>
-                                        </p:tgtEl>
-                                        <p:attrNameLst>
-                                          <p:attrName>style.visibility</p:attrName>
-                                        </p:attrNameLst>
-                                      </p:cBhvr>
-                                      <p:to>
-                                        <p:strVal val="visible"/>
-                                      </p:to>
-                                    </p:set>
-                                    <p:animEffect transition="in" filter="wipe(left)">
-                                      <p:cBhvr>
-                                        <p:cTn id="65" dur="500"/>
-                                        <p:tgtEl>
-                                          <p:spTgt spid="5">
-                                            <p:txEl>
-                                              <p:pRg st="1" end="1"/>
-                                            </p:txEl>
-                                          </p:spTgt>
-                                        </p:tgtEl>
-                                      </p:cBhvr>
-                                    </p:animEffect>
-                                  </p:childTnLst>
-                                </p:cTn>
-                              </p:par>
-                            </p:childTnLst>
-                          </p:cTn>
-                        </p:par>
-                      </p:childTnLst>
-                    </p:cTn>
-                  </p:par>
-                  <p:par>
-                    <p:cTn id="66" fill="hold">
-                      <p:stCondLst>
-                        <p:cond delay="indefinite"/>
-                      </p:stCondLst>
-                      <p:childTnLst>
-                        <p:par>
-                          <p:cTn id="67" fill="hold">
-                            <p:stCondLst>
-                              <p:cond delay="0"/>
-                            </p:stCondLst>
-                            <p:childTnLst>
-                              <p:par>
-                                <p:cTn id="68" presetID="22" presetClass="entr" presetSubtype="8" fill="hold" grpId="0" nodeType="clickEffect">
-                                  <p:stCondLst>
-                                    <p:cond delay="0"/>
-                                  </p:stCondLst>
-                                  <p:childTnLst>
-                                    <p:set>
-                                      <p:cBhvr>
-                                        <p:cTn id="69" dur="1" fill="hold">
-                                          <p:stCondLst>
-                                            <p:cond delay="0"/>
-                                          </p:stCondLst>
-                                        </p:cTn>
-                                        <p:tgtEl>
-                                          <p:spTgt spid="5">
-                                            <p:txEl>
-                                              <p:pRg st="2" end="2"/>
-                                            </p:txEl>
-                                          </p:spTgt>
-                                        </p:tgtEl>
-                                        <p:attrNameLst>
-                                          <p:attrName>style.visibility</p:attrName>
-                                        </p:attrNameLst>
-                                      </p:cBhvr>
-                                      <p:to>
-                                        <p:strVal val="visible"/>
-                                      </p:to>
-                                    </p:set>
-                                    <p:animEffect transition="in" filter="wipe(left)">
-                                      <p:cBhvr>
-                                        <p:cTn id="70" dur="500"/>
-                                        <p:tgtEl>
-                                          <p:spTgt spid="5">
-                                            <p:txEl>
-                                              <p:pRg st="2" end="2"/>
-                                            </p:txEl>
-                                          </p:spTgt>
-                                        </p:tgtEl>
-                                      </p:cBhvr>
-                                    </p:animEffect>
-                                  </p:childTnLst>
-                                </p:cTn>
-                              </p:par>
-                            </p:childTnLst>
-                          </p:cTn>
-                        </p:par>
-                      </p:childTnLst>
-                    </p:cTn>
-                  </p:par>
-                  <p:par>
-                    <p:cTn id="71" fill="hold">
-                      <p:stCondLst>
-                        <p:cond delay="indefinite"/>
-                      </p:stCondLst>
-                      <p:childTnLst>
-                        <p:par>
-                          <p:cTn id="72" fill="hold">
-                            <p:stCondLst>
-                              <p:cond delay="0"/>
-                            </p:stCondLst>
-                            <p:childTnLst>
-                              <p:par>
-                                <p:cTn id="73" presetID="22" presetClass="entr" presetSubtype="8" fill="hold" grpId="0" nodeType="clickEffect">
-                                  <p:stCondLst>
-                                    <p:cond delay="0"/>
-                                  </p:stCondLst>
-                                  <p:childTnLst>
-                                    <p:set>
-                                      <p:cBhvr>
-                                        <p:cTn id="74" dur="1" fill="hold">
-                                          <p:stCondLst>
-                                            <p:cond delay="0"/>
-                                          </p:stCondLst>
-                                        </p:cTn>
-                                        <p:tgtEl>
-                                          <p:spTgt spid="5">
-                                            <p:txEl>
-                                              <p:pRg st="3" end="3"/>
-                                            </p:txEl>
-                                          </p:spTgt>
-                                        </p:tgtEl>
-                                        <p:attrNameLst>
-                                          <p:attrName>style.visibility</p:attrName>
-                                        </p:attrNameLst>
-                                      </p:cBhvr>
-                                      <p:to>
-                                        <p:strVal val="visible"/>
-                                      </p:to>
-                                    </p:set>
-                                    <p:animEffect transition="in" filter="wipe(left)">
-                                      <p:cBhvr>
-                                        <p:cTn id="75" dur="500"/>
-                                        <p:tgtEl>
-                                          <p:spTgt spid="5">
-                                            <p:txEl>
-                                              <p:pRg st="3" end="3"/>
-                                            </p:txEl>
-                                          </p:spTgt>
-                                        </p:tgtEl>
-                                      </p:cBhvr>
-                                    </p:animEffect>
-                                  </p:childTnLst>
-                                </p:cTn>
-                              </p:par>
-                            </p:childTnLst>
-                          </p:cTn>
-                        </p:par>
-                      </p:childTnLst>
-                    </p:cTn>
-                  </p:par>
-                  <p:par>
-                    <p:cTn id="76" fill="hold">
-                      <p:stCondLst>
-                        <p:cond delay="indefinite"/>
-                      </p:stCondLst>
-                      <p:childTnLst>
-                        <p:par>
-                          <p:cTn id="77" fill="hold">
-                            <p:stCondLst>
-                              <p:cond delay="0"/>
-                            </p:stCondLst>
-                            <p:childTnLst>
-                              <p:par>
-                                <p:cTn id="78" presetID="22" presetClass="entr" presetSubtype="8" fill="hold" grpId="0" nodeType="clickEffect">
-                                  <p:stCondLst>
-                                    <p:cond delay="0"/>
-                                  </p:stCondLst>
-                                  <p:childTnLst>
-                                    <p:set>
-                                      <p:cBhvr>
-                                        <p:cTn id="79" dur="1" fill="hold">
-                                          <p:stCondLst>
-                                            <p:cond delay="0"/>
-                                          </p:stCondLst>
-                                        </p:cTn>
-                                        <p:tgtEl>
-                                          <p:spTgt spid="5">
-                                            <p:txEl>
-                                              <p:pRg st="4" end="4"/>
-                                            </p:txEl>
-                                          </p:spTgt>
-                                        </p:tgtEl>
-                                        <p:attrNameLst>
-                                          <p:attrName>style.visibility</p:attrName>
-                                        </p:attrNameLst>
-                                      </p:cBhvr>
-                                      <p:to>
-                                        <p:strVal val="visible"/>
-                                      </p:to>
-                                    </p:set>
-                                    <p:animEffect transition="in" filter="wipe(left)">
-                                      <p:cBhvr>
-                                        <p:cTn id="80" dur="500"/>
-                                        <p:tgtEl>
-                                          <p:spTgt spid="5">
-                                            <p:txEl>
-                                              <p:pRg st="4" end="4"/>
+                                              <p:pRg st="9" end="9"/>
                                             </p:txEl>
                                           </p:spTgt>
                                         </p:tgtEl>
@@ -14716,8 +14325,7 @@
       </p:par>
     </p:tnLst>
     <p:bldLst>
-      <p:bldP spid="4" grpId="0" build="p" animBg="1"/>
-      <p:bldP spid="5" grpId="0" build="p" animBg="1"/>
+      <p:bldP spid="5" grpId="0" uiExpand="1" build="p" animBg="1"/>
     </p:bldLst>
   </p:timing>
 </p:sld>
@@ -25228,6 +24836,1013 @@
       </p:grpSpPr>
       <p:sp>
         <p:nvSpPr>
+          <p:cNvPr id="2" name="Title 1">
+            <a:extLst>
+              <a:ext uri="{FF2B5EF4-FFF2-40B4-BE49-F238E27FC236}">
+                <a16:creationId xmlns:a16="http://schemas.microsoft.com/office/drawing/2014/main" id="{59903D71-AD0E-7D49-B779-AC1DFEDDCBDD}"/>
+              </a:ext>
+            </a:extLst>
+          </p:cNvPr>
+          <p:cNvSpPr>
+            <a:spLocks noGrp="1"/>
+          </p:cNvSpPr>
+          <p:nvPr>
+            <p:ph type="title"/>
+          </p:nvPr>
+        </p:nvSpPr>
+        <p:spPr/>
+        <p:txBody>
+          <a:bodyPr/>
+          <a:lstStyle/>
+          <a:p>
+            <a:endParaRPr lang="en-US"/>
+          </a:p>
+        </p:txBody>
+      </p:sp>
+      <p:sp>
+        <p:nvSpPr>
+          <p:cNvPr id="3" name="Content Placeholder 2">
+            <a:extLst>
+              <a:ext uri="{FF2B5EF4-FFF2-40B4-BE49-F238E27FC236}">
+                <a16:creationId xmlns:a16="http://schemas.microsoft.com/office/drawing/2014/main" id="{C99580F0-0C2D-7E41-84A3-AFAADC96BCEB}"/>
+              </a:ext>
+            </a:extLst>
+          </p:cNvPr>
+          <p:cNvSpPr>
+            <a:spLocks noGrp="1"/>
+          </p:cNvSpPr>
+          <p:nvPr>
+            <p:ph idx="1"/>
+          </p:nvPr>
+        </p:nvSpPr>
+        <p:spPr/>
+        <p:txBody>
+          <a:bodyPr/>
+          <a:lstStyle/>
+          <a:p>
+            <a:endParaRPr lang="en-US"/>
+          </a:p>
+        </p:txBody>
+      </p:sp>
+      <p:sp>
+        <p:nvSpPr>
+          <p:cNvPr id="4" name="Content Placeholder 2">
+            <a:extLst>
+              <a:ext uri="{FF2B5EF4-FFF2-40B4-BE49-F238E27FC236}">
+                <a16:creationId xmlns:a16="http://schemas.microsoft.com/office/drawing/2014/main" id="{A8E0C914-37A7-AB45-9F07-7EB42035E63D}"/>
+              </a:ext>
+            </a:extLst>
+          </p:cNvPr>
+          <p:cNvSpPr txBox="1">
+            <a:spLocks/>
+          </p:cNvSpPr>
+          <p:nvPr/>
+        </p:nvSpPr>
+        <p:spPr>
+          <a:xfrm>
+            <a:off x="3278926" y="312263"/>
+            <a:ext cx="5786548" cy="6199324"/>
+          </a:xfrm>
+          <a:prstGeom prst="rect">
+            <a:avLst/>
+          </a:prstGeom>
+          <a:solidFill>
+            <a:schemeClr val="bg1"/>
+          </a:solidFill>
+          <a:ln>
+            <a:solidFill>
+              <a:schemeClr val="tx1"/>
+            </a:solidFill>
+          </a:ln>
+        </p:spPr>
+        <p:txBody>
+          <a:bodyPr vert="horz" lIns="91440" tIns="45720" rIns="91440" bIns="45720" rtlCol="0">
+            <a:noAutofit/>
+          </a:bodyPr>
+          <a:lstStyle>
+            <a:lvl1pPr marL="384048" indent="-384048" algn="l" defTabSz="914400" rtl="0" eaLnBrk="1" latinLnBrk="0" hangingPunct="1">
+              <a:lnSpc>
+                <a:spcPct val="94000"/>
+              </a:lnSpc>
+              <a:spcBef>
+                <a:spcPts val="1000"/>
+              </a:spcBef>
+              <a:spcAft>
+                <a:spcPts val="200"/>
+              </a:spcAft>
+              <a:buFont typeface="Franklin Gothic Book" panose="020B0503020102020204" pitchFamily="34" charset="0"/>
+              <a:buChar char="■"/>
+              <a:defRPr sz="2000" kern="1200" baseline="0">
+                <a:solidFill>
+                  <a:schemeClr val="tx2"/>
+                </a:solidFill>
+                <a:latin typeface="+mn-lt"/>
+                <a:ea typeface="+mn-ea"/>
+                <a:cs typeface="+mn-cs"/>
+              </a:defRPr>
+            </a:lvl1pPr>
+            <a:lvl2pPr marL="914400" indent="-384048" algn="l" defTabSz="914400" rtl="0" eaLnBrk="1" latinLnBrk="0" hangingPunct="1">
+              <a:lnSpc>
+                <a:spcPct val="94000"/>
+              </a:lnSpc>
+              <a:spcBef>
+                <a:spcPts val="500"/>
+              </a:spcBef>
+              <a:spcAft>
+                <a:spcPts val="200"/>
+              </a:spcAft>
+              <a:buFont typeface="Franklin Gothic Book" panose="020B0503020102020204" pitchFamily="34" charset="0"/>
+              <a:buChar char="–"/>
+              <a:defRPr sz="2000" i="1" kern="1200" baseline="0">
+                <a:solidFill>
+                  <a:schemeClr val="tx2"/>
+                </a:solidFill>
+                <a:latin typeface="+mn-lt"/>
+                <a:ea typeface="+mn-ea"/>
+                <a:cs typeface="+mn-cs"/>
+              </a:defRPr>
+            </a:lvl2pPr>
+            <a:lvl3pPr marL="1371600" indent="-384048" algn="l" defTabSz="914400" rtl="0" eaLnBrk="1" latinLnBrk="0" hangingPunct="1">
+              <a:lnSpc>
+                <a:spcPct val="94000"/>
+              </a:lnSpc>
+              <a:spcBef>
+                <a:spcPts val="500"/>
+              </a:spcBef>
+              <a:spcAft>
+                <a:spcPts val="200"/>
+              </a:spcAft>
+              <a:buFont typeface="Franklin Gothic Book" panose="020B0503020102020204" pitchFamily="34" charset="0"/>
+              <a:buChar char="■"/>
+              <a:defRPr sz="1800" kern="1200" baseline="0">
+                <a:solidFill>
+                  <a:schemeClr val="tx2"/>
+                </a:solidFill>
+                <a:latin typeface="+mn-lt"/>
+                <a:ea typeface="+mn-ea"/>
+                <a:cs typeface="+mn-cs"/>
+              </a:defRPr>
+            </a:lvl3pPr>
+            <a:lvl4pPr marL="1828800" indent="-384048" algn="l" defTabSz="914400" rtl="0" eaLnBrk="1" latinLnBrk="0" hangingPunct="1">
+              <a:lnSpc>
+                <a:spcPct val="94000"/>
+              </a:lnSpc>
+              <a:spcBef>
+                <a:spcPts val="500"/>
+              </a:spcBef>
+              <a:spcAft>
+                <a:spcPts val="200"/>
+              </a:spcAft>
+              <a:buFont typeface="Franklin Gothic Book" panose="020B0503020102020204" pitchFamily="34" charset="0"/>
+              <a:buChar char="–"/>
+              <a:defRPr sz="1800" i="1" kern="1200" baseline="0">
+                <a:solidFill>
+                  <a:schemeClr val="tx2"/>
+                </a:solidFill>
+                <a:latin typeface="+mn-lt"/>
+                <a:ea typeface="+mn-ea"/>
+                <a:cs typeface="+mn-cs"/>
+              </a:defRPr>
+            </a:lvl4pPr>
+            <a:lvl5pPr marL="2286000" indent="-384048" algn="l" defTabSz="914400" rtl="0" eaLnBrk="1" latinLnBrk="0" hangingPunct="1">
+              <a:lnSpc>
+                <a:spcPct val="94000"/>
+              </a:lnSpc>
+              <a:spcBef>
+                <a:spcPts val="500"/>
+              </a:spcBef>
+              <a:spcAft>
+                <a:spcPts val="200"/>
+              </a:spcAft>
+              <a:buFont typeface="Franklin Gothic Book" panose="020B0503020102020204" pitchFamily="34" charset="0"/>
+              <a:buChar char="■"/>
+              <a:defRPr sz="1600" kern="1200" baseline="0">
+                <a:solidFill>
+                  <a:schemeClr val="tx2"/>
+                </a:solidFill>
+                <a:latin typeface="+mn-lt"/>
+                <a:ea typeface="+mn-ea"/>
+                <a:cs typeface="+mn-cs"/>
+              </a:defRPr>
+            </a:lvl5pPr>
+            <a:lvl6pPr marL="2743200" indent="-384048" algn="l" defTabSz="914400" rtl="0" eaLnBrk="1" latinLnBrk="0" hangingPunct="1">
+              <a:lnSpc>
+                <a:spcPct val="94000"/>
+              </a:lnSpc>
+              <a:spcBef>
+                <a:spcPts val="500"/>
+              </a:spcBef>
+              <a:spcAft>
+                <a:spcPts val="200"/>
+              </a:spcAft>
+              <a:buFont typeface="Franklin Gothic Book" panose="020B0503020102020204" pitchFamily="34" charset="0"/>
+              <a:buChar char="–"/>
+              <a:defRPr sz="1600" i="1" kern="1200" baseline="0">
+                <a:solidFill>
+                  <a:schemeClr val="tx2"/>
+                </a:solidFill>
+                <a:latin typeface="+mn-lt"/>
+                <a:ea typeface="+mn-ea"/>
+                <a:cs typeface="+mn-cs"/>
+              </a:defRPr>
+            </a:lvl6pPr>
+            <a:lvl7pPr marL="3200400" indent="-384048" algn="l" defTabSz="914400" rtl="0" eaLnBrk="1" latinLnBrk="0" hangingPunct="1">
+              <a:lnSpc>
+                <a:spcPct val="94000"/>
+              </a:lnSpc>
+              <a:spcBef>
+                <a:spcPts val="500"/>
+              </a:spcBef>
+              <a:spcAft>
+                <a:spcPts val="200"/>
+              </a:spcAft>
+              <a:buFont typeface="Franklin Gothic Book" panose="020B0503020102020204" pitchFamily="34" charset="0"/>
+              <a:buChar char="■"/>
+              <a:defRPr sz="1400" kern="1200" baseline="0">
+                <a:solidFill>
+                  <a:schemeClr val="tx2"/>
+                </a:solidFill>
+                <a:latin typeface="+mn-lt"/>
+                <a:ea typeface="+mn-ea"/>
+                <a:cs typeface="+mn-cs"/>
+              </a:defRPr>
+            </a:lvl7pPr>
+            <a:lvl8pPr marL="3657600" indent="-384048" algn="l" defTabSz="914400" rtl="0" eaLnBrk="1" latinLnBrk="0" hangingPunct="1">
+              <a:lnSpc>
+                <a:spcPct val="94000"/>
+              </a:lnSpc>
+              <a:spcBef>
+                <a:spcPts val="500"/>
+              </a:spcBef>
+              <a:spcAft>
+                <a:spcPts val="200"/>
+              </a:spcAft>
+              <a:buFont typeface="Franklin Gothic Book" panose="020B0503020102020204" pitchFamily="34" charset="0"/>
+              <a:buChar char="–"/>
+              <a:defRPr sz="1400" i="1" kern="1200" baseline="0">
+                <a:solidFill>
+                  <a:schemeClr val="tx2"/>
+                </a:solidFill>
+                <a:latin typeface="+mn-lt"/>
+                <a:ea typeface="+mn-ea"/>
+                <a:cs typeface="+mn-cs"/>
+              </a:defRPr>
+            </a:lvl8pPr>
+            <a:lvl9pPr marL="4114800" indent="-384048" algn="l" defTabSz="914400" rtl="0" eaLnBrk="1" latinLnBrk="0" hangingPunct="1">
+              <a:lnSpc>
+                <a:spcPct val="94000"/>
+              </a:lnSpc>
+              <a:spcBef>
+                <a:spcPts val="500"/>
+              </a:spcBef>
+              <a:spcAft>
+                <a:spcPts val="200"/>
+              </a:spcAft>
+              <a:buFont typeface="Franklin Gothic Book" panose="020B0503020102020204" pitchFamily="34" charset="0"/>
+              <a:buChar char="■"/>
+              <a:defRPr sz="1400" kern="1200" baseline="0">
+                <a:solidFill>
+                  <a:schemeClr val="tx2"/>
+                </a:solidFill>
+                <a:latin typeface="+mn-lt"/>
+                <a:ea typeface="+mn-ea"/>
+                <a:cs typeface="+mn-cs"/>
+              </a:defRPr>
+            </a:lvl9pPr>
+          </a:lstStyle>
+          <a:p>
+            <a:pPr marL="0" indent="0">
+              <a:buNone/>
+            </a:pPr>
+            <a:r>
+              <a:rPr lang="en-US" dirty="0">
+                <a:latin typeface="Menlo" panose="020B0609030804020204" pitchFamily="49" charset="0"/>
+                <a:ea typeface="Menlo" panose="020B0609030804020204" pitchFamily="49" charset="0"/>
+                <a:cs typeface="Menlo" panose="020B0609030804020204" pitchFamily="49" charset="0"/>
+              </a:rPr>
+              <a:t>&gt;&gt;&gt; </a:t>
+            </a:r>
+            <a:r>
+              <a:rPr lang="en-US" dirty="0">
+                <a:solidFill>
+                  <a:srgbClr val="FFF700"/>
+                </a:solidFill>
+                <a:latin typeface="Menlo" panose="020B0609030804020204" pitchFamily="49" charset="0"/>
+                <a:ea typeface="Menlo" panose="020B0609030804020204" pitchFamily="49" charset="0"/>
+                <a:cs typeface="Menlo" panose="020B0609030804020204" pitchFamily="49" charset="0"/>
+              </a:rPr>
+              <a:t>type</a:t>
+            </a:r>
+            <a:r>
+              <a:rPr lang="en-US" dirty="0">
+                <a:solidFill>
+                  <a:schemeClr val="accent6"/>
+                </a:solidFill>
+                <a:latin typeface="Menlo" panose="020B0609030804020204" pitchFamily="49" charset="0"/>
+                <a:ea typeface="Menlo" panose="020B0609030804020204" pitchFamily="49" charset="0"/>
+                <a:cs typeface="Menlo" panose="020B0609030804020204" pitchFamily="49" charset="0"/>
+              </a:rPr>
+              <a:t>.__</a:t>
+            </a:r>
+            <a:r>
+              <a:rPr lang="en-US" dirty="0" err="1">
+                <a:solidFill>
+                  <a:schemeClr val="accent6"/>
+                </a:solidFill>
+                <a:latin typeface="Menlo" panose="020B0609030804020204" pitchFamily="49" charset="0"/>
+                <a:ea typeface="Menlo" panose="020B0609030804020204" pitchFamily="49" charset="0"/>
+                <a:cs typeface="Menlo" panose="020B0609030804020204" pitchFamily="49" charset="0"/>
+              </a:rPr>
+              <a:t>mro</a:t>
+            </a:r>
+            <a:r>
+              <a:rPr lang="en-US" dirty="0">
+                <a:solidFill>
+                  <a:schemeClr val="accent6"/>
+                </a:solidFill>
+                <a:latin typeface="Menlo" panose="020B0609030804020204" pitchFamily="49" charset="0"/>
+                <a:ea typeface="Menlo" panose="020B0609030804020204" pitchFamily="49" charset="0"/>
+                <a:cs typeface="Menlo" panose="020B0609030804020204" pitchFamily="49" charset="0"/>
+              </a:rPr>
+              <a:t>__</a:t>
+            </a:r>
+          </a:p>
+          <a:p>
+            <a:pPr marL="0" indent="0">
+              <a:buNone/>
+            </a:pPr>
+            <a:r>
+              <a:rPr lang="en-US" dirty="0">
+                <a:latin typeface="Menlo" panose="020B0609030804020204" pitchFamily="49" charset="0"/>
+                <a:ea typeface="Menlo" panose="020B0609030804020204" pitchFamily="49" charset="0"/>
+                <a:cs typeface="Menlo" panose="020B0609030804020204" pitchFamily="49" charset="0"/>
+              </a:rPr>
+              <a:t>(&lt;class </a:t>
+            </a:r>
+            <a:r>
+              <a:rPr lang="en-US" dirty="0">
+                <a:solidFill>
+                  <a:srgbClr val="FFF700"/>
+                </a:solidFill>
+                <a:latin typeface="Menlo" panose="020B0609030804020204" pitchFamily="49" charset="0"/>
+                <a:ea typeface="Menlo" panose="020B0609030804020204" pitchFamily="49" charset="0"/>
+                <a:cs typeface="Menlo" panose="020B0609030804020204" pitchFamily="49" charset="0"/>
+              </a:rPr>
+              <a:t>'type</a:t>
+            </a:r>
+            <a:r>
+              <a:rPr lang="en-US" dirty="0">
+                <a:latin typeface="Menlo" panose="020B0609030804020204" pitchFamily="49" charset="0"/>
+                <a:ea typeface="Menlo" panose="020B0609030804020204" pitchFamily="49" charset="0"/>
+                <a:cs typeface="Menlo" panose="020B0609030804020204" pitchFamily="49" charset="0"/>
+              </a:rPr>
+              <a:t>'&gt;, &lt;class </a:t>
+            </a:r>
+            <a:r>
+              <a:rPr lang="en-US" dirty="0">
+                <a:solidFill>
+                  <a:srgbClr val="F200FF"/>
+                </a:solidFill>
+                <a:latin typeface="Menlo" panose="020B0609030804020204" pitchFamily="49" charset="0"/>
+                <a:ea typeface="Menlo" panose="020B0609030804020204" pitchFamily="49" charset="0"/>
+                <a:cs typeface="Menlo" panose="020B0609030804020204" pitchFamily="49" charset="0"/>
+              </a:rPr>
+              <a:t>'object</a:t>
+            </a:r>
+            <a:r>
+              <a:rPr lang="en-US" dirty="0">
+                <a:latin typeface="Menlo" panose="020B0609030804020204" pitchFamily="49" charset="0"/>
+                <a:ea typeface="Menlo" panose="020B0609030804020204" pitchFamily="49" charset="0"/>
+                <a:cs typeface="Menlo" panose="020B0609030804020204" pitchFamily="49" charset="0"/>
+              </a:rPr>
+              <a:t>'&gt;)</a:t>
+            </a:r>
+          </a:p>
+          <a:p>
+            <a:pPr marL="0" indent="0">
+              <a:buNone/>
+            </a:pPr>
+            <a:r>
+              <a:rPr lang="en-US" dirty="0">
+                <a:latin typeface="Menlo" panose="020B0609030804020204" pitchFamily="49" charset="0"/>
+                <a:ea typeface="Menlo" panose="020B0609030804020204" pitchFamily="49" charset="0"/>
+                <a:cs typeface="Menlo" panose="020B0609030804020204" pitchFamily="49" charset="0"/>
+              </a:rPr>
+              <a:t>&gt;&gt;&gt; </a:t>
+            </a:r>
+            <a:r>
+              <a:rPr lang="en-US" dirty="0" err="1">
+                <a:solidFill>
+                  <a:schemeClr val="accent6"/>
+                </a:solidFill>
+                <a:latin typeface="Menlo" panose="020B0609030804020204" pitchFamily="49" charset="0"/>
+                <a:ea typeface="Menlo" panose="020B0609030804020204" pitchFamily="49" charset="0"/>
+                <a:cs typeface="Menlo" panose="020B0609030804020204" pitchFamily="49" charset="0"/>
+              </a:rPr>
+              <a:t>isinstance</a:t>
+            </a:r>
+            <a:r>
+              <a:rPr lang="en-US" dirty="0">
+                <a:solidFill>
+                  <a:schemeClr val="accent6"/>
+                </a:solidFill>
+                <a:latin typeface="Menlo" panose="020B0609030804020204" pitchFamily="49" charset="0"/>
+                <a:ea typeface="Menlo" panose="020B0609030804020204" pitchFamily="49" charset="0"/>
+                <a:cs typeface="Menlo" panose="020B0609030804020204" pitchFamily="49" charset="0"/>
+              </a:rPr>
+              <a:t>(</a:t>
+            </a:r>
+            <a:r>
+              <a:rPr lang="en-US" dirty="0">
+                <a:solidFill>
+                  <a:srgbClr val="FFF700"/>
+                </a:solidFill>
+                <a:latin typeface="Menlo" panose="020B0609030804020204" pitchFamily="49" charset="0"/>
+                <a:ea typeface="Menlo" panose="020B0609030804020204" pitchFamily="49" charset="0"/>
+                <a:cs typeface="Menlo" panose="020B0609030804020204" pitchFamily="49" charset="0"/>
+              </a:rPr>
+              <a:t>type</a:t>
+            </a:r>
+            <a:r>
+              <a:rPr lang="en-US" dirty="0">
+                <a:solidFill>
+                  <a:schemeClr val="accent6"/>
+                </a:solidFill>
+                <a:latin typeface="Menlo" panose="020B0609030804020204" pitchFamily="49" charset="0"/>
+                <a:ea typeface="Menlo" panose="020B0609030804020204" pitchFamily="49" charset="0"/>
+                <a:cs typeface="Menlo" panose="020B0609030804020204" pitchFamily="49" charset="0"/>
+              </a:rPr>
+              <a:t>, </a:t>
+            </a:r>
+            <a:r>
+              <a:rPr lang="en-US" dirty="0">
+                <a:solidFill>
+                  <a:srgbClr val="F200FF"/>
+                </a:solidFill>
+                <a:latin typeface="Menlo" panose="020B0609030804020204" pitchFamily="49" charset="0"/>
+                <a:ea typeface="Menlo" panose="020B0609030804020204" pitchFamily="49" charset="0"/>
+                <a:cs typeface="Menlo" panose="020B0609030804020204" pitchFamily="49" charset="0"/>
+              </a:rPr>
+              <a:t>object</a:t>
+            </a:r>
+            <a:r>
+              <a:rPr lang="en-US" dirty="0">
+                <a:solidFill>
+                  <a:schemeClr val="accent6"/>
+                </a:solidFill>
+                <a:latin typeface="Menlo" panose="020B0609030804020204" pitchFamily="49" charset="0"/>
+                <a:ea typeface="Menlo" panose="020B0609030804020204" pitchFamily="49" charset="0"/>
+                <a:cs typeface="Menlo" panose="020B0609030804020204" pitchFamily="49" charset="0"/>
+              </a:rPr>
+              <a:t>)</a:t>
+            </a:r>
+          </a:p>
+          <a:p>
+            <a:pPr marL="0" indent="0">
+              <a:buNone/>
+            </a:pPr>
+            <a:r>
+              <a:rPr lang="en-US" dirty="0">
+                <a:latin typeface="Menlo" panose="020B0609030804020204" pitchFamily="49" charset="0"/>
+                <a:ea typeface="Menlo" panose="020B0609030804020204" pitchFamily="49" charset="0"/>
+                <a:cs typeface="Menlo" panose="020B0609030804020204" pitchFamily="49" charset="0"/>
+              </a:rPr>
+              <a:t>True</a:t>
+            </a:r>
+          </a:p>
+          <a:p>
+            <a:pPr marL="0" indent="0">
+              <a:buNone/>
+            </a:pPr>
+            <a:r>
+              <a:rPr lang="en-US" dirty="0">
+                <a:latin typeface="Menlo" panose="020B0609030804020204" pitchFamily="49" charset="0"/>
+                <a:ea typeface="Menlo" panose="020B0609030804020204" pitchFamily="49" charset="0"/>
+                <a:cs typeface="Menlo" panose="020B0609030804020204" pitchFamily="49" charset="0"/>
+              </a:rPr>
+              <a:t>&gt;&gt;&gt; </a:t>
+            </a:r>
+            <a:r>
+              <a:rPr lang="en-US" dirty="0" err="1">
+                <a:solidFill>
+                  <a:schemeClr val="accent6"/>
+                </a:solidFill>
+                <a:latin typeface="Menlo" panose="020B0609030804020204" pitchFamily="49" charset="0"/>
+                <a:ea typeface="Menlo" panose="020B0609030804020204" pitchFamily="49" charset="0"/>
+                <a:cs typeface="Menlo" panose="020B0609030804020204" pitchFamily="49" charset="0"/>
+              </a:rPr>
+              <a:t>isinstance</a:t>
+            </a:r>
+            <a:r>
+              <a:rPr lang="en-US" dirty="0">
+                <a:solidFill>
+                  <a:schemeClr val="accent6"/>
+                </a:solidFill>
+                <a:latin typeface="Menlo" panose="020B0609030804020204" pitchFamily="49" charset="0"/>
+                <a:ea typeface="Menlo" panose="020B0609030804020204" pitchFamily="49" charset="0"/>
+                <a:cs typeface="Menlo" panose="020B0609030804020204" pitchFamily="49" charset="0"/>
+              </a:rPr>
+              <a:t>(</a:t>
+            </a:r>
+            <a:r>
+              <a:rPr lang="en-US" dirty="0">
+                <a:solidFill>
+                  <a:srgbClr val="F200FF"/>
+                </a:solidFill>
+                <a:latin typeface="Menlo" panose="020B0609030804020204" pitchFamily="49" charset="0"/>
+                <a:ea typeface="Menlo" panose="020B0609030804020204" pitchFamily="49" charset="0"/>
+                <a:cs typeface="Menlo" panose="020B0609030804020204" pitchFamily="49" charset="0"/>
+              </a:rPr>
+              <a:t>object</a:t>
+            </a:r>
+            <a:r>
+              <a:rPr lang="en-US" dirty="0">
+                <a:solidFill>
+                  <a:schemeClr val="accent6"/>
+                </a:solidFill>
+                <a:latin typeface="Menlo" panose="020B0609030804020204" pitchFamily="49" charset="0"/>
+                <a:ea typeface="Menlo" panose="020B0609030804020204" pitchFamily="49" charset="0"/>
+                <a:cs typeface="Menlo" panose="020B0609030804020204" pitchFamily="49" charset="0"/>
+              </a:rPr>
+              <a:t>, </a:t>
+            </a:r>
+            <a:r>
+              <a:rPr lang="en-US" dirty="0">
+                <a:solidFill>
+                  <a:srgbClr val="FFF700"/>
+                </a:solidFill>
+                <a:latin typeface="Menlo" panose="020B0609030804020204" pitchFamily="49" charset="0"/>
+                <a:ea typeface="Menlo" panose="020B0609030804020204" pitchFamily="49" charset="0"/>
+                <a:cs typeface="Menlo" panose="020B0609030804020204" pitchFamily="49" charset="0"/>
+              </a:rPr>
+              <a:t>type</a:t>
+            </a:r>
+            <a:r>
+              <a:rPr lang="en-US" dirty="0">
+                <a:solidFill>
+                  <a:schemeClr val="accent6"/>
+                </a:solidFill>
+                <a:latin typeface="Menlo" panose="020B0609030804020204" pitchFamily="49" charset="0"/>
+                <a:ea typeface="Menlo" panose="020B0609030804020204" pitchFamily="49" charset="0"/>
+                <a:cs typeface="Menlo" panose="020B0609030804020204" pitchFamily="49" charset="0"/>
+              </a:rPr>
+              <a:t>)</a:t>
+            </a:r>
+          </a:p>
+          <a:p>
+            <a:pPr marL="0" indent="0">
+              <a:buNone/>
+            </a:pPr>
+            <a:r>
+              <a:rPr lang="en-US" dirty="0">
+                <a:latin typeface="Menlo" panose="020B0609030804020204" pitchFamily="49" charset="0"/>
+                <a:ea typeface="Menlo" panose="020B0609030804020204" pitchFamily="49" charset="0"/>
+                <a:cs typeface="Menlo" panose="020B0609030804020204" pitchFamily="49" charset="0"/>
+              </a:rPr>
+              <a:t>True</a:t>
+            </a:r>
+          </a:p>
+          <a:p>
+            <a:pPr marL="0" indent="0">
+              <a:buNone/>
+            </a:pPr>
+            <a:r>
+              <a:rPr lang="en-US" dirty="0">
+                <a:latin typeface="Menlo" panose="020B0609030804020204" pitchFamily="49" charset="0"/>
+                <a:ea typeface="Menlo" panose="020B0609030804020204" pitchFamily="49" charset="0"/>
+                <a:cs typeface="Menlo" panose="020B0609030804020204" pitchFamily="49" charset="0"/>
+              </a:rPr>
+              <a:t>&gt;&gt;&gt; </a:t>
+            </a:r>
+            <a:r>
+              <a:rPr lang="en-US" dirty="0" err="1">
+                <a:solidFill>
+                  <a:schemeClr val="accent6"/>
+                </a:solidFill>
+                <a:latin typeface="Menlo" panose="020B0609030804020204" pitchFamily="49" charset="0"/>
+                <a:ea typeface="Menlo" panose="020B0609030804020204" pitchFamily="49" charset="0"/>
+                <a:cs typeface="Menlo" panose="020B0609030804020204" pitchFamily="49" charset="0"/>
+              </a:rPr>
+              <a:t>isinstance</a:t>
+            </a:r>
+            <a:r>
+              <a:rPr lang="en-US" dirty="0">
+                <a:solidFill>
+                  <a:schemeClr val="accent6"/>
+                </a:solidFill>
+                <a:latin typeface="Menlo" panose="020B0609030804020204" pitchFamily="49" charset="0"/>
+                <a:ea typeface="Menlo" panose="020B0609030804020204" pitchFamily="49" charset="0"/>
+                <a:cs typeface="Menlo" panose="020B0609030804020204" pitchFamily="49" charset="0"/>
+              </a:rPr>
+              <a:t>(</a:t>
+            </a:r>
+            <a:r>
+              <a:rPr lang="en-US" dirty="0">
+                <a:solidFill>
+                  <a:srgbClr val="FFF700"/>
+                </a:solidFill>
+                <a:latin typeface="Menlo" panose="020B0609030804020204" pitchFamily="49" charset="0"/>
+                <a:ea typeface="Menlo" panose="020B0609030804020204" pitchFamily="49" charset="0"/>
+                <a:cs typeface="Menlo" panose="020B0609030804020204" pitchFamily="49" charset="0"/>
+              </a:rPr>
+              <a:t>type</a:t>
+            </a:r>
+            <a:r>
+              <a:rPr lang="en-US" dirty="0">
+                <a:solidFill>
+                  <a:schemeClr val="accent6"/>
+                </a:solidFill>
+                <a:latin typeface="Menlo" panose="020B0609030804020204" pitchFamily="49" charset="0"/>
+                <a:ea typeface="Menlo" panose="020B0609030804020204" pitchFamily="49" charset="0"/>
+                <a:cs typeface="Menlo" panose="020B0609030804020204" pitchFamily="49" charset="0"/>
+              </a:rPr>
+              <a:t>, </a:t>
+            </a:r>
+            <a:r>
+              <a:rPr lang="en-US" dirty="0">
+                <a:solidFill>
+                  <a:srgbClr val="FFF700"/>
+                </a:solidFill>
+                <a:latin typeface="Menlo" panose="020B0609030804020204" pitchFamily="49" charset="0"/>
+                <a:ea typeface="Menlo" panose="020B0609030804020204" pitchFamily="49" charset="0"/>
+                <a:cs typeface="Menlo" panose="020B0609030804020204" pitchFamily="49" charset="0"/>
+              </a:rPr>
+              <a:t>type</a:t>
+            </a:r>
+            <a:r>
+              <a:rPr lang="en-US" dirty="0">
+                <a:solidFill>
+                  <a:schemeClr val="accent6"/>
+                </a:solidFill>
+                <a:latin typeface="Menlo" panose="020B0609030804020204" pitchFamily="49" charset="0"/>
+                <a:ea typeface="Menlo" panose="020B0609030804020204" pitchFamily="49" charset="0"/>
+                <a:cs typeface="Menlo" panose="020B0609030804020204" pitchFamily="49" charset="0"/>
+              </a:rPr>
+              <a:t>)</a:t>
+            </a:r>
+          </a:p>
+          <a:p>
+            <a:pPr marL="0" indent="0">
+              <a:buNone/>
+            </a:pPr>
+            <a:r>
+              <a:rPr lang="en-US" dirty="0">
+                <a:latin typeface="Menlo" panose="020B0609030804020204" pitchFamily="49" charset="0"/>
+                <a:ea typeface="Menlo" panose="020B0609030804020204" pitchFamily="49" charset="0"/>
+                <a:cs typeface="Menlo" panose="020B0609030804020204" pitchFamily="49" charset="0"/>
+              </a:rPr>
+              <a:t>True</a:t>
+            </a:r>
+          </a:p>
+          <a:p>
+            <a:pPr marL="0" indent="0">
+              <a:buNone/>
+            </a:pPr>
+            <a:r>
+              <a:rPr lang="en-US" dirty="0">
+                <a:latin typeface="Menlo" panose="020B0609030804020204" pitchFamily="49" charset="0"/>
+                <a:ea typeface="Menlo" panose="020B0609030804020204" pitchFamily="49" charset="0"/>
+                <a:cs typeface="Menlo" panose="020B0609030804020204" pitchFamily="49" charset="0"/>
+              </a:rPr>
+              <a:t>&gt;&gt;&gt; </a:t>
+            </a:r>
+            <a:r>
+              <a:rPr lang="en-US" dirty="0" err="1">
+                <a:solidFill>
+                  <a:schemeClr val="accent6"/>
+                </a:solidFill>
+                <a:latin typeface="Menlo" panose="020B0609030804020204" pitchFamily="49" charset="0"/>
+                <a:ea typeface="Menlo" panose="020B0609030804020204" pitchFamily="49" charset="0"/>
+                <a:cs typeface="Menlo" panose="020B0609030804020204" pitchFamily="49" charset="0"/>
+              </a:rPr>
+              <a:t>isinstance</a:t>
+            </a:r>
+            <a:r>
+              <a:rPr lang="en-US" dirty="0">
+                <a:solidFill>
+                  <a:schemeClr val="accent6"/>
+                </a:solidFill>
+                <a:latin typeface="Menlo" panose="020B0609030804020204" pitchFamily="49" charset="0"/>
+                <a:ea typeface="Menlo" panose="020B0609030804020204" pitchFamily="49" charset="0"/>
+                <a:cs typeface="Menlo" panose="020B0609030804020204" pitchFamily="49" charset="0"/>
+              </a:rPr>
+              <a:t>(</a:t>
+            </a:r>
+            <a:r>
+              <a:rPr lang="en-US" dirty="0">
+                <a:solidFill>
+                  <a:srgbClr val="F200FF"/>
+                </a:solidFill>
+                <a:latin typeface="Menlo" panose="020B0609030804020204" pitchFamily="49" charset="0"/>
+                <a:ea typeface="Menlo" panose="020B0609030804020204" pitchFamily="49" charset="0"/>
+                <a:cs typeface="Menlo" panose="020B0609030804020204" pitchFamily="49" charset="0"/>
+              </a:rPr>
+              <a:t>object</a:t>
+            </a:r>
+            <a:r>
+              <a:rPr lang="en-US" dirty="0">
+                <a:solidFill>
+                  <a:schemeClr val="accent6"/>
+                </a:solidFill>
+                <a:latin typeface="Menlo" panose="020B0609030804020204" pitchFamily="49" charset="0"/>
+                <a:ea typeface="Menlo" panose="020B0609030804020204" pitchFamily="49" charset="0"/>
+                <a:cs typeface="Menlo" panose="020B0609030804020204" pitchFamily="49" charset="0"/>
+              </a:rPr>
+              <a:t>, </a:t>
+            </a:r>
+            <a:r>
+              <a:rPr lang="en-US" dirty="0">
+                <a:solidFill>
+                  <a:srgbClr val="F200FF"/>
+                </a:solidFill>
+                <a:latin typeface="Menlo" panose="020B0609030804020204" pitchFamily="49" charset="0"/>
+                <a:ea typeface="Menlo" panose="020B0609030804020204" pitchFamily="49" charset="0"/>
+                <a:cs typeface="Menlo" panose="020B0609030804020204" pitchFamily="49" charset="0"/>
+              </a:rPr>
+              <a:t>object</a:t>
+            </a:r>
+            <a:r>
+              <a:rPr lang="en-US" dirty="0">
+                <a:solidFill>
+                  <a:schemeClr val="accent6"/>
+                </a:solidFill>
+                <a:latin typeface="Menlo" panose="020B0609030804020204" pitchFamily="49" charset="0"/>
+                <a:ea typeface="Menlo" panose="020B0609030804020204" pitchFamily="49" charset="0"/>
+                <a:cs typeface="Menlo" panose="020B0609030804020204" pitchFamily="49" charset="0"/>
+              </a:rPr>
+              <a:t>)</a:t>
+            </a:r>
+          </a:p>
+          <a:p>
+            <a:pPr marL="0" indent="0">
+              <a:buNone/>
+            </a:pPr>
+            <a:r>
+              <a:rPr lang="en-US" dirty="0">
+                <a:latin typeface="Menlo" panose="020B0609030804020204" pitchFamily="49" charset="0"/>
+                <a:ea typeface="Menlo" panose="020B0609030804020204" pitchFamily="49" charset="0"/>
+                <a:cs typeface="Menlo" panose="020B0609030804020204" pitchFamily="49" charset="0"/>
+              </a:rPr>
+              <a:t>True</a:t>
+            </a:r>
+          </a:p>
+          <a:p>
+            <a:pPr marL="0" indent="0">
+              <a:buNone/>
+            </a:pPr>
+            <a:r>
+              <a:rPr lang="en-US" dirty="0">
+                <a:latin typeface="Menlo" panose="020B0609030804020204" pitchFamily="49" charset="0"/>
+                <a:ea typeface="Menlo" panose="020B0609030804020204" pitchFamily="49" charset="0"/>
+                <a:cs typeface="Menlo" panose="020B0609030804020204" pitchFamily="49" charset="0"/>
+              </a:rPr>
+              <a:t>&gt;&gt;&gt; </a:t>
+            </a:r>
+            <a:r>
+              <a:rPr lang="en-US" dirty="0" err="1">
+                <a:solidFill>
+                  <a:schemeClr val="accent6"/>
+                </a:solidFill>
+                <a:latin typeface="Menlo" panose="020B0609030804020204" pitchFamily="49" charset="0"/>
+                <a:ea typeface="Menlo" panose="020B0609030804020204" pitchFamily="49" charset="0"/>
+                <a:cs typeface="Menlo" panose="020B0609030804020204" pitchFamily="49" charset="0"/>
+              </a:rPr>
+              <a:t>isinstance</a:t>
+            </a:r>
+            <a:r>
+              <a:rPr lang="en-US" dirty="0">
+                <a:solidFill>
+                  <a:schemeClr val="accent6"/>
+                </a:solidFill>
+                <a:latin typeface="Menlo" panose="020B0609030804020204" pitchFamily="49" charset="0"/>
+                <a:ea typeface="Menlo" panose="020B0609030804020204" pitchFamily="49" charset="0"/>
+                <a:cs typeface="Menlo" panose="020B0609030804020204" pitchFamily="49" charset="0"/>
+              </a:rPr>
+              <a:t>(1, </a:t>
+            </a:r>
+            <a:r>
+              <a:rPr lang="en-US" dirty="0">
+                <a:solidFill>
+                  <a:srgbClr val="F200FF"/>
+                </a:solidFill>
+                <a:latin typeface="Menlo" panose="020B0609030804020204" pitchFamily="49" charset="0"/>
+                <a:ea typeface="Menlo" panose="020B0609030804020204" pitchFamily="49" charset="0"/>
+                <a:cs typeface="Menlo" panose="020B0609030804020204" pitchFamily="49" charset="0"/>
+              </a:rPr>
+              <a:t>object</a:t>
+            </a:r>
+            <a:r>
+              <a:rPr lang="en-US" dirty="0">
+                <a:solidFill>
+                  <a:schemeClr val="accent6"/>
+                </a:solidFill>
+                <a:latin typeface="Menlo" panose="020B0609030804020204" pitchFamily="49" charset="0"/>
+                <a:ea typeface="Menlo" panose="020B0609030804020204" pitchFamily="49" charset="0"/>
+                <a:cs typeface="Menlo" panose="020B0609030804020204" pitchFamily="49" charset="0"/>
+              </a:rPr>
+              <a:t>)</a:t>
+            </a:r>
+          </a:p>
+          <a:p>
+            <a:pPr marL="0" indent="0">
+              <a:buNone/>
+            </a:pPr>
+            <a:r>
+              <a:rPr lang="en-US" dirty="0">
+                <a:latin typeface="Menlo" panose="020B0609030804020204" pitchFamily="49" charset="0"/>
+                <a:ea typeface="Menlo" panose="020B0609030804020204" pitchFamily="49" charset="0"/>
+                <a:cs typeface="Menlo" panose="020B0609030804020204" pitchFamily="49" charset="0"/>
+              </a:rPr>
+              <a:t>True</a:t>
+            </a:r>
+          </a:p>
+          <a:p>
+            <a:pPr marL="0" indent="0">
+              <a:buNone/>
+            </a:pPr>
+            <a:r>
+              <a:rPr lang="en-US" dirty="0">
+                <a:latin typeface="Menlo" panose="020B0609030804020204" pitchFamily="49" charset="0"/>
+                <a:ea typeface="Menlo" panose="020B0609030804020204" pitchFamily="49" charset="0"/>
+                <a:cs typeface="Menlo" panose="020B0609030804020204" pitchFamily="49" charset="0"/>
+              </a:rPr>
+              <a:t>&gt;&gt;&gt; </a:t>
+            </a:r>
+            <a:r>
+              <a:rPr lang="en-US" dirty="0" err="1">
+                <a:solidFill>
+                  <a:schemeClr val="accent6"/>
+                </a:solidFill>
+                <a:latin typeface="Menlo" panose="020B0609030804020204" pitchFamily="49" charset="0"/>
+                <a:ea typeface="Menlo" panose="020B0609030804020204" pitchFamily="49" charset="0"/>
+                <a:cs typeface="Menlo" panose="020B0609030804020204" pitchFamily="49" charset="0"/>
+              </a:rPr>
+              <a:t>isinstance</a:t>
+            </a:r>
+            <a:r>
+              <a:rPr lang="en-US" dirty="0">
+                <a:solidFill>
+                  <a:schemeClr val="accent6"/>
+                </a:solidFill>
+                <a:latin typeface="Menlo" panose="020B0609030804020204" pitchFamily="49" charset="0"/>
+                <a:ea typeface="Menlo" panose="020B0609030804020204" pitchFamily="49" charset="0"/>
+                <a:cs typeface="Menlo" panose="020B0609030804020204" pitchFamily="49" charset="0"/>
+              </a:rPr>
+              <a:t>(1, </a:t>
+            </a:r>
+            <a:r>
+              <a:rPr lang="en-US" dirty="0">
+                <a:solidFill>
+                  <a:srgbClr val="FFF700"/>
+                </a:solidFill>
+                <a:latin typeface="Menlo" panose="020B0609030804020204" pitchFamily="49" charset="0"/>
+                <a:ea typeface="Menlo" panose="020B0609030804020204" pitchFamily="49" charset="0"/>
+                <a:cs typeface="Menlo" panose="020B0609030804020204" pitchFamily="49" charset="0"/>
+              </a:rPr>
+              <a:t>type</a:t>
+            </a:r>
+            <a:r>
+              <a:rPr lang="en-US" dirty="0">
+                <a:solidFill>
+                  <a:schemeClr val="accent6"/>
+                </a:solidFill>
+                <a:latin typeface="Menlo" panose="020B0609030804020204" pitchFamily="49" charset="0"/>
+                <a:ea typeface="Menlo" panose="020B0609030804020204" pitchFamily="49" charset="0"/>
+                <a:cs typeface="Menlo" panose="020B0609030804020204" pitchFamily="49" charset="0"/>
+              </a:rPr>
+              <a:t>)</a:t>
+            </a:r>
+          </a:p>
+          <a:p>
+            <a:pPr marL="0" indent="0">
+              <a:buNone/>
+            </a:pPr>
+            <a:r>
+              <a:rPr lang="en-US" dirty="0">
+                <a:solidFill>
+                  <a:srgbClr val="FF0000"/>
+                </a:solidFill>
+                <a:latin typeface="Menlo" panose="020B0609030804020204" pitchFamily="49" charset="0"/>
+                <a:ea typeface="Menlo" panose="020B0609030804020204" pitchFamily="49" charset="0"/>
+                <a:cs typeface="Menlo" panose="020B0609030804020204" pitchFamily="49" charset="0"/>
+              </a:rPr>
+              <a:t>False</a:t>
+            </a:r>
+          </a:p>
+        </p:txBody>
+      </p:sp>
+    </p:spTree>
+    <p:extLst>
+      <p:ext uri="{BB962C8B-B14F-4D97-AF65-F5344CB8AC3E}">
+        <p14:creationId xmlns:p14="http://schemas.microsoft.com/office/powerpoint/2010/main" val="4261983690"/>
+      </p:ext>
+    </p:extLst>
+  </p:cSld>
+  <p:clrMapOvr>
+    <a:masterClrMapping/>
+  </p:clrMapOvr>
+  <p:timing>
+    <p:tnLst>
+      <p:par>
+        <p:cTn id="1" dur="indefinite" restart="never" nodeType="tmRoot">
+          <p:childTnLst>
+            <p:seq concurrent="1" nextAc="seek">
+              <p:cTn id="2" dur="indefinite" nodeType="mainSeq">
+                <p:childTnLst>
+                  <p:par>
+                    <p:cTn id="3" fill="hold">
+                      <p:stCondLst>
+                        <p:cond delay="indefinite"/>
+                      </p:stCondLst>
+                      <p:childTnLst>
+                        <p:par>
+                          <p:cTn id="4" fill="hold">
+                            <p:stCondLst>
+                              <p:cond delay="0"/>
+                            </p:stCondLst>
+                            <p:childTnLst>
+                              <p:par>
+                                <p:cTn id="5" presetID="1" presetClass="entr" presetSubtype="0" fill="hold" grpId="0" nodeType="clickEffect">
+                                  <p:stCondLst>
+                                    <p:cond delay="0"/>
+                                  </p:stCondLst>
+                                  <p:childTnLst>
+                                    <p:set>
+                                      <p:cBhvr>
+                                        <p:cTn id="6" dur="1" fill="hold">
+                                          <p:stCondLst>
+                                            <p:cond delay="0"/>
+                                          </p:stCondLst>
+                                        </p:cTn>
+                                        <p:tgtEl>
+                                          <p:spTgt spid="4">
+                                            <p:bg/>
+                                          </p:spTgt>
+                                        </p:tgtEl>
+                                        <p:attrNameLst>
+                                          <p:attrName>style.visibility</p:attrName>
+                                        </p:attrNameLst>
+                                      </p:cBhvr>
+                                      <p:to>
+                                        <p:strVal val="visible"/>
+                                      </p:to>
+                                    </p:set>
+                                  </p:childTnLst>
+                                </p:cTn>
+                              </p:par>
+                            </p:childTnLst>
+                          </p:cTn>
+                        </p:par>
+                      </p:childTnLst>
+                    </p:cTn>
+                  </p:par>
+                </p:childTnLst>
+              </p:cTn>
+              <p:prevCondLst>
+                <p:cond evt="onPrev" delay="0">
+                  <p:tgtEl>
+                    <p:sldTgt/>
+                  </p:tgtEl>
+                </p:cond>
+              </p:prevCondLst>
+              <p:nextCondLst>
+                <p:cond evt="onNext" delay="0">
+                  <p:tgtEl>
+                    <p:sldTgt/>
+                  </p:tgtEl>
+                </p:cond>
+              </p:nextCondLst>
+            </p:seq>
+          </p:childTnLst>
+        </p:cTn>
+      </p:par>
+    </p:tnLst>
+    <p:bldLst>
+      <p:bldP spid="4" grpId="0" uiExpand="1" build="p" animBg="1"/>
+    </p:bldLst>
+  </p:timing>
+</p:sld>
+</file>
+
+<file path=ppt/slides/slide23.xml><?xml version="1.0" encoding="utf-8"?>
+<p:sld xmlns:a="http://schemas.openxmlformats.org/drawingml/2006/main" xmlns:r="http://schemas.openxmlformats.org/officeDocument/2006/relationships" xmlns:p="http://schemas.openxmlformats.org/presentationml/2006/main">
+  <p:cSld>
+    <p:spTree>
+      <p:nvGrpSpPr>
+        <p:cNvPr id="1" name=""/>
+        <p:cNvGrpSpPr/>
+        <p:nvPr/>
+      </p:nvGrpSpPr>
+      <p:grpSpPr>
+        <a:xfrm>
+          <a:off x="0" y="0"/>
+          <a:ext cx="0" cy="0"/>
+          <a:chOff x="0" y="0"/>
+          <a:chExt cx="0" cy="0"/>
+        </a:xfrm>
+      </p:grpSpPr>
+      <p:sp>
+        <p:nvSpPr>
           <p:cNvPr id="6" name="Title 1">
             <a:extLst>
               <a:ext uri="{FF2B5EF4-FFF2-40B4-BE49-F238E27FC236}">
@@ -25410,1013 +26025,6 @@
   <p:clrMapOvr>
     <a:masterClrMapping/>
   </p:clrMapOvr>
-</p:sld>
-</file>
-
-<file path=ppt/slides/slide23.xml><?xml version="1.0" encoding="utf-8"?>
-<p:sld xmlns:a="http://schemas.openxmlformats.org/drawingml/2006/main" xmlns:r="http://schemas.openxmlformats.org/officeDocument/2006/relationships" xmlns:p="http://schemas.openxmlformats.org/presentationml/2006/main">
-  <p:cSld>
-    <p:spTree>
-      <p:nvGrpSpPr>
-        <p:cNvPr id="1" name=""/>
-        <p:cNvGrpSpPr/>
-        <p:nvPr/>
-      </p:nvGrpSpPr>
-      <p:grpSpPr>
-        <a:xfrm>
-          <a:off x="0" y="0"/>
-          <a:ext cx="0" cy="0"/>
-          <a:chOff x="0" y="0"/>
-          <a:chExt cx="0" cy="0"/>
-        </a:xfrm>
-      </p:grpSpPr>
-      <p:sp>
-        <p:nvSpPr>
-          <p:cNvPr id="2" name="Title 1">
-            <a:extLst>
-              <a:ext uri="{FF2B5EF4-FFF2-40B4-BE49-F238E27FC236}">
-                <a16:creationId xmlns:a16="http://schemas.microsoft.com/office/drawing/2014/main" id="{59903D71-AD0E-7D49-B779-AC1DFEDDCBDD}"/>
-              </a:ext>
-            </a:extLst>
-          </p:cNvPr>
-          <p:cNvSpPr>
-            <a:spLocks noGrp="1"/>
-          </p:cNvSpPr>
-          <p:nvPr>
-            <p:ph type="title"/>
-          </p:nvPr>
-        </p:nvSpPr>
-        <p:spPr/>
-        <p:txBody>
-          <a:bodyPr/>
-          <a:lstStyle/>
-          <a:p>
-            <a:endParaRPr lang="en-US"/>
-          </a:p>
-        </p:txBody>
-      </p:sp>
-      <p:sp>
-        <p:nvSpPr>
-          <p:cNvPr id="3" name="Content Placeholder 2">
-            <a:extLst>
-              <a:ext uri="{FF2B5EF4-FFF2-40B4-BE49-F238E27FC236}">
-                <a16:creationId xmlns:a16="http://schemas.microsoft.com/office/drawing/2014/main" id="{C99580F0-0C2D-7E41-84A3-AFAADC96BCEB}"/>
-              </a:ext>
-            </a:extLst>
-          </p:cNvPr>
-          <p:cNvSpPr>
-            <a:spLocks noGrp="1"/>
-          </p:cNvSpPr>
-          <p:nvPr>
-            <p:ph idx="1"/>
-          </p:nvPr>
-        </p:nvSpPr>
-        <p:spPr/>
-        <p:txBody>
-          <a:bodyPr/>
-          <a:lstStyle/>
-          <a:p>
-            <a:endParaRPr lang="en-US"/>
-          </a:p>
-        </p:txBody>
-      </p:sp>
-      <p:sp>
-        <p:nvSpPr>
-          <p:cNvPr id="4" name="Content Placeholder 2">
-            <a:extLst>
-              <a:ext uri="{FF2B5EF4-FFF2-40B4-BE49-F238E27FC236}">
-                <a16:creationId xmlns:a16="http://schemas.microsoft.com/office/drawing/2014/main" id="{A8E0C914-37A7-AB45-9F07-7EB42035E63D}"/>
-              </a:ext>
-            </a:extLst>
-          </p:cNvPr>
-          <p:cNvSpPr txBox="1">
-            <a:spLocks/>
-          </p:cNvSpPr>
-          <p:nvPr/>
-        </p:nvSpPr>
-        <p:spPr>
-          <a:xfrm>
-            <a:off x="3278926" y="312263"/>
-            <a:ext cx="5786548" cy="6199324"/>
-          </a:xfrm>
-          <a:prstGeom prst="rect">
-            <a:avLst/>
-          </a:prstGeom>
-          <a:solidFill>
-            <a:schemeClr val="bg1"/>
-          </a:solidFill>
-          <a:ln>
-            <a:solidFill>
-              <a:schemeClr val="tx1"/>
-            </a:solidFill>
-          </a:ln>
-        </p:spPr>
-        <p:txBody>
-          <a:bodyPr vert="horz" lIns="91440" tIns="45720" rIns="91440" bIns="45720" rtlCol="0">
-            <a:noAutofit/>
-          </a:bodyPr>
-          <a:lstStyle>
-            <a:lvl1pPr marL="384048" indent="-384048" algn="l" defTabSz="914400" rtl="0" eaLnBrk="1" latinLnBrk="0" hangingPunct="1">
-              <a:lnSpc>
-                <a:spcPct val="94000"/>
-              </a:lnSpc>
-              <a:spcBef>
-                <a:spcPts val="1000"/>
-              </a:spcBef>
-              <a:spcAft>
-                <a:spcPts val="200"/>
-              </a:spcAft>
-              <a:buFont typeface="Franklin Gothic Book" panose="020B0503020102020204" pitchFamily="34" charset="0"/>
-              <a:buChar char="■"/>
-              <a:defRPr sz="2000" kern="1200" baseline="0">
-                <a:solidFill>
-                  <a:schemeClr val="tx2"/>
-                </a:solidFill>
-                <a:latin typeface="+mn-lt"/>
-                <a:ea typeface="+mn-ea"/>
-                <a:cs typeface="+mn-cs"/>
-              </a:defRPr>
-            </a:lvl1pPr>
-            <a:lvl2pPr marL="914400" indent="-384048" algn="l" defTabSz="914400" rtl="0" eaLnBrk="1" latinLnBrk="0" hangingPunct="1">
-              <a:lnSpc>
-                <a:spcPct val="94000"/>
-              </a:lnSpc>
-              <a:spcBef>
-                <a:spcPts val="500"/>
-              </a:spcBef>
-              <a:spcAft>
-                <a:spcPts val="200"/>
-              </a:spcAft>
-              <a:buFont typeface="Franklin Gothic Book" panose="020B0503020102020204" pitchFamily="34" charset="0"/>
-              <a:buChar char="–"/>
-              <a:defRPr sz="2000" i="1" kern="1200" baseline="0">
-                <a:solidFill>
-                  <a:schemeClr val="tx2"/>
-                </a:solidFill>
-                <a:latin typeface="+mn-lt"/>
-                <a:ea typeface="+mn-ea"/>
-                <a:cs typeface="+mn-cs"/>
-              </a:defRPr>
-            </a:lvl2pPr>
-            <a:lvl3pPr marL="1371600" indent="-384048" algn="l" defTabSz="914400" rtl="0" eaLnBrk="1" latinLnBrk="0" hangingPunct="1">
-              <a:lnSpc>
-                <a:spcPct val="94000"/>
-              </a:lnSpc>
-              <a:spcBef>
-                <a:spcPts val="500"/>
-              </a:spcBef>
-              <a:spcAft>
-                <a:spcPts val="200"/>
-              </a:spcAft>
-              <a:buFont typeface="Franklin Gothic Book" panose="020B0503020102020204" pitchFamily="34" charset="0"/>
-              <a:buChar char="■"/>
-              <a:defRPr sz="1800" kern="1200" baseline="0">
-                <a:solidFill>
-                  <a:schemeClr val="tx2"/>
-                </a:solidFill>
-                <a:latin typeface="+mn-lt"/>
-                <a:ea typeface="+mn-ea"/>
-                <a:cs typeface="+mn-cs"/>
-              </a:defRPr>
-            </a:lvl3pPr>
-            <a:lvl4pPr marL="1828800" indent="-384048" algn="l" defTabSz="914400" rtl="0" eaLnBrk="1" latinLnBrk="0" hangingPunct="1">
-              <a:lnSpc>
-                <a:spcPct val="94000"/>
-              </a:lnSpc>
-              <a:spcBef>
-                <a:spcPts val="500"/>
-              </a:spcBef>
-              <a:spcAft>
-                <a:spcPts val="200"/>
-              </a:spcAft>
-              <a:buFont typeface="Franklin Gothic Book" panose="020B0503020102020204" pitchFamily="34" charset="0"/>
-              <a:buChar char="–"/>
-              <a:defRPr sz="1800" i="1" kern="1200" baseline="0">
-                <a:solidFill>
-                  <a:schemeClr val="tx2"/>
-                </a:solidFill>
-                <a:latin typeface="+mn-lt"/>
-                <a:ea typeface="+mn-ea"/>
-                <a:cs typeface="+mn-cs"/>
-              </a:defRPr>
-            </a:lvl4pPr>
-            <a:lvl5pPr marL="2286000" indent="-384048" algn="l" defTabSz="914400" rtl="0" eaLnBrk="1" latinLnBrk="0" hangingPunct="1">
-              <a:lnSpc>
-                <a:spcPct val="94000"/>
-              </a:lnSpc>
-              <a:spcBef>
-                <a:spcPts val="500"/>
-              </a:spcBef>
-              <a:spcAft>
-                <a:spcPts val="200"/>
-              </a:spcAft>
-              <a:buFont typeface="Franklin Gothic Book" panose="020B0503020102020204" pitchFamily="34" charset="0"/>
-              <a:buChar char="■"/>
-              <a:defRPr sz="1600" kern="1200" baseline="0">
-                <a:solidFill>
-                  <a:schemeClr val="tx2"/>
-                </a:solidFill>
-                <a:latin typeface="+mn-lt"/>
-                <a:ea typeface="+mn-ea"/>
-                <a:cs typeface="+mn-cs"/>
-              </a:defRPr>
-            </a:lvl5pPr>
-            <a:lvl6pPr marL="2743200" indent="-384048" algn="l" defTabSz="914400" rtl="0" eaLnBrk="1" latinLnBrk="0" hangingPunct="1">
-              <a:lnSpc>
-                <a:spcPct val="94000"/>
-              </a:lnSpc>
-              <a:spcBef>
-                <a:spcPts val="500"/>
-              </a:spcBef>
-              <a:spcAft>
-                <a:spcPts val="200"/>
-              </a:spcAft>
-              <a:buFont typeface="Franklin Gothic Book" panose="020B0503020102020204" pitchFamily="34" charset="0"/>
-              <a:buChar char="–"/>
-              <a:defRPr sz="1600" i="1" kern="1200" baseline="0">
-                <a:solidFill>
-                  <a:schemeClr val="tx2"/>
-                </a:solidFill>
-                <a:latin typeface="+mn-lt"/>
-                <a:ea typeface="+mn-ea"/>
-                <a:cs typeface="+mn-cs"/>
-              </a:defRPr>
-            </a:lvl6pPr>
-            <a:lvl7pPr marL="3200400" indent="-384048" algn="l" defTabSz="914400" rtl="0" eaLnBrk="1" latinLnBrk="0" hangingPunct="1">
-              <a:lnSpc>
-                <a:spcPct val="94000"/>
-              </a:lnSpc>
-              <a:spcBef>
-                <a:spcPts val="500"/>
-              </a:spcBef>
-              <a:spcAft>
-                <a:spcPts val="200"/>
-              </a:spcAft>
-              <a:buFont typeface="Franklin Gothic Book" panose="020B0503020102020204" pitchFamily="34" charset="0"/>
-              <a:buChar char="■"/>
-              <a:defRPr sz="1400" kern="1200" baseline="0">
-                <a:solidFill>
-                  <a:schemeClr val="tx2"/>
-                </a:solidFill>
-                <a:latin typeface="+mn-lt"/>
-                <a:ea typeface="+mn-ea"/>
-                <a:cs typeface="+mn-cs"/>
-              </a:defRPr>
-            </a:lvl7pPr>
-            <a:lvl8pPr marL="3657600" indent="-384048" algn="l" defTabSz="914400" rtl="0" eaLnBrk="1" latinLnBrk="0" hangingPunct="1">
-              <a:lnSpc>
-                <a:spcPct val="94000"/>
-              </a:lnSpc>
-              <a:spcBef>
-                <a:spcPts val="500"/>
-              </a:spcBef>
-              <a:spcAft>
-                <a:spcPts val="200"/>
-              </a:spcAft>
-              <a:buFont typeface="Franklin Gothic Book" panose="020B0503020102020204" pitchFamily="34" charset="0"/>
-              <a:buChar char="–"/>
-              <a:defRPr sz="1400" i="1" kern="1200" baseline="0">
-                <a:solidFill>
-                  <a:schemeClr val="tx2"/>
-                </a:solidFill>
-                <a:latin typeface="+mn-lt"/>
-                <a:ea typeface="+mn-ea"/>
-                <a:cs typeface="+mn-cs"/>
-              </a:defRPr>
-            </a:lvl8pPr>
-            <a:lvl9pPr marL="4114800" indent="-384048" algn="l" defTabSz="914400" rtl="0" eaLnBrk="1" latinLnBrk="0" hangingPunct="1">
-              <a:lnSpc>
-                <a:spcPct val="94000"/>
-              </a:lnSpc>
-              <a:spcBef>
-                <a:spcPts val="500"/>
-              </a:spcBef>
-              <a:spcAft>
-                <a:spcPts val="200"/>
-              </a:spcAft>
-              <a:buFont typeface="Franklin Gothic Book" panose="020B0503020102020204" pitchFamily="34" charset="0"/>
-              <a:buChar char="■"/>
-              <a:defRPr sz="1400" kern="1200" baseline="0">
-                <a:solidFill>
-                  <a:schemeClr val="tx2"/>
-                </a:solidFill>
-                <a:latin typeface="+mn-lt"/>
-                <a:ea typeface="+mn-ea"/>
-                <a:cs typeface="+mn-cs"/>
-              </a:defRPr>
-            </a:lvl9pPr>
-          </a:lstStyle>
-          <a:p>
-            <a:pPr marL="0" indent="0">
-              <a:buNone/>
-            </a:pPr>
-            <a:r>
-              <a:rPr lang="en-US" dirty="0">
-                <a:latin typeface="Menlo" panose="020B0609030804020204" pitchFamily="49" charset="0"/>
-                <a:ea typeface="Menlo" panose="020B0609030804020204" pitchFamily="49" charset="0"/>
-                <a:cs typeface="Menlo" panose="020B0609030804020204" pitchFamily="49" charset="0"/>
-              </a:rPr>
-              <a:t>&gt;&gt;&gt; </a:t>
-            </a:r>
-            <a:r>
-              <a:rPr lang="en-US" dirty="0">
-                <a:solidFill>
-                  <a:srgbClr val="FFF700"/>
-                </a:solidFill>
-                <a:latin typeface="Menlo" panose="020B0609030804020204" pitchFamily="49" charset="0"/>
-                <a:ea typeface="Menlo" panose="020B0609030804020204" pitchFamily="49" charset="0"/>
-                <a:cs typeface="Menlo" panose="020B0609030804020204" pitchFamily="49" charset="0"/>
-              </a:rPr>
-              <a:t>type</a:t>
-            </a:r>
-            <a:r>
-              <a:rPr lang="en-US" dirty="0">
-                <a:solidFill>
-                  <a:schemeClr val="accent6"/>
-                </a:solidFill>
-                <a:latin typeface="Menlo" panose="020B0609030804020204" pitchFamily="49" charset="0"/>
-                <a:ea typeface="Menlo" panose="020B0609030804020204" pitchFamily="49" charset="0"/>
-                <a:cs typeface="Menlo" panose="020B0609030804020204" pitchFamily="49" charset="0"/>
-              </a:rPr>
-              <a:t>.__</a:t>
-            </a:r>
-            <a:r>
-              <a:rPr lang="en-US" dirty="0" err="1">
-                <a:solidFill>
-                  <a:schemeClr val="accent6"/>
-                </a:solidFill>
-                <a:latin typeface="Menlo" panose="020B0609030804020204" pitchFamily="49" charset="0"/>
-                <a:ea typeface="Menlo" panose="020B0609030804020204" pitchFamily="49" charset="0"/>
-                <a:cs typeface="Menlo" panose="020B0609030804020204" pitchFamily="49" charset="0"/>
-              </a:rPr>
-              <a:t>mro</a:t>
-            </a:r>
-            <a:r>
-              <a:rPr lang="en-US" dirty="0">
-                <a:solidFill>
-                  <a:schemeClr val="accent6"/>
-                </a:solidFill>
-                <a:latin typeface="Menlo" panose="020B0609030804020204" pitchFamily="49" charset="0"/>
-                <a:ea typeface="Menlo" panose="020B0609030804020204" pitchFamily="49" charset="0"/>
-                <a:cs typeface="Menlo" panose="020B0609030804020204" pitchFamily="49" charset="0"/>
-              </a:rPr>
-              <a:t>__</a:t>
-            </a:r>
-          </a:p>
-          <a:p>
-            <a:pPr marL="0" indent="0">
-              <a:buNone/>
-            </a:pPr>
-            <a:r>
-              <a:rPr lang="en-US" dirty="0">
-                <a:latin typeface="Menlo" panose="020B0609030804020204" pitchFamily="49" charset="0"/>
-                <a:ea typeface="Menlo" panose="020B0609030804020204" pitchFamily="49" charset="0"/>
-                <a:cs typeface="Menlo" panose="020B0609030804020204" pitchFamily="49" charset="0"/>
-              </a:rPr>
-              <a:t>(&lt;class </a:t>
-            </a:r>
-            <a:r>
-              <a:rPr lang="en-US" dirty="0">
-                <a:solidFill>
-                  <a:srgbClr val="FFF700"/>
-                </a:solidFill>
-                <a:latin typeface="Menlo" panose="020B0609030804020204" pitchFamily="49" charset="0"/>
-                <a:ea typeface="Menlo" panose="020B0609030804020204" pitchFamily="49" charset="0"/>
-                <a:cs typeface="Menlo" panose="020B0609030804020204" pitchFamily="49" charset="0"/>
-              </a:rPr>
-              <a:t>'type</a:t>
-            </a:r>
-            <a:r>
-              <a:rPr lang="en-US" dirty="0">
-                <a:latin typeface="Menlo" panose="020B0609030804020204" pitchFamily="49" charset="0"/>
-                <a:ea typeface="Menlo" panose="020B0609030804020204" pitchFamily="49" charset="0"/>
-                <a:cs typeface="Menlo" panose="020B0609030804020204" pitchFamily="49" charset="0"/>
-              </a:rPr>
-              <a:t>'&gt;, &lt;class </a:t>
-            </a:r>
-            <a:r>
-              <a:rPr lang="en-US" dirty="0">
-                <a:solidFill>
-                  <a:srgbClr val="F200FF"/>
-                </a:solidFill>
-                <a:latin typeface="Menlo" panose="020B0609030804020204" pitchFamily="49" charset="0"/>
-                <a:ea typeface="Menlo" panose="020B0609030804020204" pitchFamily="49" charset="0"/>
-                <a:cs typeface="Menlo" panose="020B0609030804020204" pitchFamily="49" charset="0"/>
-              </a:rPr>
-              <a:t>'object</a:t>
-            </a:r>
-            <a:r>
-              <a:rPr lang="en-US" dirty="0">
-                <a:latin typeface="Menlo" panose="020B0609030804020204" pitchFamily="49" charset="0"/>
-                <a:ea typeface="Menlo" panose="020B0609030804020204" pitchFamily="49" charset="0"/>
-                <a:cs typeface="Menlo" panose="020B0609030804020204" pitchFamily="49" charset="0"/>
-              </a:rPr>
-              <a:t>'&gt;)</a:t>
-            </a:r>
-          </a:p>
-          <a:p>
-            <a:pPr marL="0" indent="0">
-              <a:buNone/>
-            </a:pPr>
-            <a:r>
-              <a:rPr lang="en-US" dirty="0">
-                <a:latin typeface="Menlo" panose="020B0609030804020204" pitchFamily="49" charset="0"/>
-                <a:ea typeface="Menlo" panose="020B0609030804020204" pitchFamily="49" charset="0"/>
-                <a:cs typeface="Menlo" panose="020B0609030804020204" pitchFamily="49" charset="0"/>
-              </a:rPr>
-              <a:t>&gt;&gt;&gt; </a:t>
-            </a:r>
-            <a:r>
-              <a:rPr lang="en-US" dirty="0" err="1">
-                <a:solidFill>
-                  <a:schemeClr val="accent6"/>
-                </a:solidFill>
-                <a:latin typeface="Menlo" panose="020B0609030804020204" pitchFamily="49" charset="0"/>
-                <a:ea typeface="Menlo" panose="020B0609030804020204" pitchFamily="49" charset="0"/>
-                <a:cs typeface="Menlo" panose="020B0609030804020204" pitchFamily="49" charset="0"/>
-              </a:rPr>
-              <a:t>isinstance</a:t>
-            </a:r>
-            <a:r>
-              <a:rPr lang="en-US" dirty="0">
-                <a:solidFill>
-                  <a:schemeClr val="accent6"/>
-                </a:solidFill>
-                <a:latin typeface="Menlo" panose="020B0609030804020204" pitchFamily="49" charset="0"/>
-                <a:ea typeface="Menlo" panose="020B0609030804020204" pitchFamily="49" charset="0"/>
-                <a:cs typeface="Menlo" panose="020B0609030804020204" pitchFamily="49" charset="0"/>
-              </a:rPr>
-              <a:t>(</a:t>
-            </a:r>
-            <a:r>
-              <a:rPr lang="en-US" dirty="0">
-                <a:solidFill>
-                  <a:srgbClr val="FFF700"/>
-                </a:solidFill>
-                <a:latin typeface="Menlo" panose="020B0609030804020204" pitchFamily="49" charset="0"/>
-                <a:ea typeface="Menlo" panose="020B0609030804020204" pitchFamily="49" charset="0"/>
-                <a:cs typeface="Menlo" panose="020B0609030804020204" pitchFamily="49" charset="0"/>
-              </a:rPr>
-              <a:t>type</a:t>
-            </a:r>
-            <a:r>
-              <a:rPr lang="en-US" dirty="0">
-                <a:solidFill>
-                  <a:schemeClr val="accent6"/>
-                </a:solidFill>
-                <a:latin typeface="Menlo" panose="020B0609030804020204" pitchFamily="49" charset="0"/>
-                <a:ea typeface="Menlo" panose="020B0609030804020204" pitchFamily="49" charset="0"/>
-                <a:cs typeface="Menlo" panose="020B0609030804020204" pitchFamily="49" charset="0"/>
-              </a:rPr>
-              <a:t>, </a:t>
-            </a:r>
-            <a:r>
-              <a:rPr lang="en-US" dirty="0">
-                <a:solidFill>
-                  <a:srgbClr val="F200FF"/>
-                </a:solidFill>
-                <a:latin typeface="Menlo" panose="020B0609030804020204" pitchFamily="49" charset="0"/>
-                <a:ea typeface="Menlo" panose="020B0609030804020204" pitchFamily="49" charset="0"/>
-                <a:cs typeface="Menlo" panose="020B0609030804020204" pitchFamily="49" charset="0"/>
-              </a:rPr>
-              <a:t>object</a:t>
-            </a:r>
-            <a:r>
-              <a:rPr lang="en-US" dirty="0">
-                <a:solidFill>
-                  <a:schemeClr val="accent6"/>
-                </a:solidFill>
-                <a:latin typeface="Menlo" panose="020B0609030804020204" pitchFamily="49" charset="0"/>
-                <a:ea typeface="Menlo" panose="020B0609030804020204" pitchFamily="49" charset="0"/>
-                <a:cs typeface="Menlo" panose="020B0609030804020204" pitchFamily="49" charset="0"/>
-              </a:rPr>
-              <a:t>)</a:t>
-            </a:r>
-          </a:p>
-          <a:p>
-            <a:pPr marL="0" indent="0">
-              <a:buNone/>
-            </a:pPr>
-            <a:r>
-              <a:rPr lang="en-US" dirty="0">
-                <a:latin typeface="Menlo" panose="020B0609030804020204" pitchFamily="49" charset="0"/>
-                <a:ea typeface="Menlo" panose="020B0609030804020204" pitchFamily="49" charset="0"/>
-                <a:cs typeface="Menlo" panose="020B0609030804020204" pitchFamily="49" charset="0"/>
-              </a:rPr>
-              <a:t>True</a:t>
-            </a:r>
-          </a:p>
-          <a:p>
-            <a:pPr marL="0" indent="0">
-              <a:buNone/>
-            </a:pPr>
-            <a:r>
-              <a:rPr lang="en-US" dirty="0">
-                <a:latin typeface="Menlo" panose="020B0609030804020204" pitchFamily="49" charset="0"/>
-                <a:ea typeface="Menlo" panose="020B0609030804020204" pitchFamily="49" charset="0"/>
-                <a:cs typeface="Menlo" panose="020B0609030804020204" pitchFamily="49" charset="0"/>
-              </a:rPr>
-              <a:t>&gt;&gt;&gt; </a:t>
-            </a:r>
-            <a:r>
-              <a:rPr lang="en-US" dirty="0" err="1">
-                <a:solidFill>
-                  <a:schemeClr val="accent6"/>
-                </a:solidFill>
-                <a:latin typeface="Menlo" panose="020B0609030804020204" pitchFamily="49" charset="0"/>
-                <a:ea typeface="Menlo" panose="020B0609030804020204" pitchFamily="49" charset="0"/>
-                <a:cs typeface="Menlo" panose="020B0609030804020204" pitchFamily="49" charset="0"/>
-              </a:rPr>
-              <a:t>isinstance</a:t>
-            </a:r>
-            <a:r>
-              <a:rPr lang="en-US" dirty="0">
-                <a:solidFill>
-                  <a:schemeClr val="accent6"/>
-                </a:solidFill>
-                <a:latin typeface="Menlo" panose="020B0609030804020204" pitchFamily="49" charset="0"/>
-                <a:ea typeface="Menlo" panose="020B0609030804020204" pitchFamily="49" charset="0"/>
-                <a:cs typeface="Menlo" panose="020B0609030804020204" pitchFamily="49" charset="0"/>
-              </a:rPr>
-              <a:t>(</a:t>
-            </a:r>
-            <a:r>
-              <a:rPr lang="en-US" dirty="0">
-                <a:solidFill>
-                  <a:srgbClr val="F200FF"/>
-                </a:solidFill>
-                <a:latin typeface="Menlo" panose="020B0609030804020204" pitchFamily="49" charset="0"/>
-                <a:ea typeface="Menlo" panose="020B0609030804020204" pitchFamily="49" charset="0"/>
-                <a:cs typeface="Menlo" panose="020B0609030804020204" pitchFamily="49" charset="0"/>
-              </a:rPr>
-              <a:t>object</a:t>
-            </a:r>
-            <a:r>
-              <a:rPr lang="en-US" dirty="0">
-                <a:solidFill>
-                  <a:schemeClr val="accent6"/>
-                </a:solidFill>
-                <a:latin typeface="Menlo" panose="020B0609030804020204" pitchFamily="49" charset="0"/>
-                <a:ea typeface="Menlo" panose="020B0609030804020204" pitchFamily="49" charset="0"/>
-                <a:cs typeface="Menlo" panose="020B0609030804020204" pitchFamily="49" charset="0"/>
-              </a:rPr>
-              <a:t>, </a:t>
-            </a:r>
-            <a:r>
-              <a:rPr lang="en-US" dirty="0">
-                <a:solidFill>
-                  <a:srgbClr val="FFF700"/>
-                </a:solidFill>
-                <a:latin typeface="Menlo" panose="020B0609030804020204" pitchFamily="49" charset="0"/>
-                <a:ea typeface="Menlo" panose="020B0609030804020204" pitchFamily="49" charset="0"/>
-                <a:cs typeface="Menlo" panose="020B0609030804020204" pitchFamily="49" charset="0"/>
-              </a:rPr>
-              <a:t>type</a:t>
-            </a:r>
-            <a:r>
-              <a:rPr lang="en-US" dirty="0">
-                <a:solidFill>
-                  <a:schemeClr val="accent6"/>
-                </a:solidFill>
-                <a:latin typeface="Menlo" panose="020B0609030804020204" pitchFamily="49" charset="0"/>
-                <a:ea typeface="Menlo" panose="020B0609030804020204" pitchFamily="49" charset="0"/>
-                <a:cs typeface="Menlo" panose="020B0609030804020204" pitchFamily="49" charset="0"/>
-              </a:rPr>
-              <a:t>)</a:t>
-            </a:r>
-          </a:p>
-          <a:p>
-            <a:pPr marL="0" indent="0">
-              <a:buNone/>
-            </a:pPr>
-            <a:r>
-              <a:rPr lang="en-US" dirty="0">
-                <a:latin typeface="Menlo" panose="020B0609030804020204" pitchFamily="49" charset="0"/>
-                <a:ea typeface="Menlo" panose="020B0609030804020204" pitchFamily="49" charset="0"/>
-                <a:cs typeface="Menlo" panose="020B0609030804020204" pitchFamily="49" charset="0"/>
-              </a:rPr>
-              <a:t>True</a:t>
-            </a:r>
-          </a:p>
-          <a:p>
-            <a:pPr marL="0" indent="0">
-              <a:buNone/>
-            </a:pPr>
-            <a:r>
-              <a:rPr lang="en-US" dirty="0">
-                <a:latin typeface="Menlo" panose="020B0609030804020204" pitchFamily="49" charset="0"/>
-                <a:ea typeface="Menlo" panose="020B0609030804020204" pitchFamily="49" charset="0"/>
-                <a:cs typeface="Menlo" panose="020B0609030804020204" pitchFamily="49" charset="0"/>
-              </a:rPr>
-              <a:t>&gt;&gt;&gt; </a:t>
-            </a:r>
-            <a:r>
-              <a:rPr lang="en-US" dirty="0" err="1">
-                <a:solidFill>
-                  <a:schemeClr val="accent6"/>
-                </a:solidFill>
-                <a:latin typeface="Menlo" panose="020B0609030804020204" pitchFamily="49" charset="0"/>
-                <a:ea typeface="Menlo" panose="020B0609030804020204" pitchFamily="49" charset="0"/>
-                <a:cs typeface="Menlo" panose="020B0609030804020204" pitchFamily="49" charset="0"/>
-              </a:rPr>
-              <a:t>isinstance</a:t>
-            </a:r>
-            <a:r>
-              <a:rPr lang="en-US" dirty="0">
-                <a:solidFill>
-                  <a:schemeClr val="accent6"/>
-                </a:solidFill>
-                <a:latin typeface="Menlo" panose="020B0609030804020204" pitchFamily="49" charset="0"/>
-                <a:ea typeface="Menlo" panose="020B0609030804020204" pitchFamily="49" charset="0"/>
-                <a:cs typeface="Menlo" panose="020B0609030804020204" pitchFamily="49" charset="0"/>
-              </a:rPr>
-              <a:t>(</a:t>
-            </a:r>
-            <a:r>
-              <a:rPr lang="en-US" dirty="0">
-                <a:solidFill>
-                  <a:srgbClr val="FFF700"/>
-                </a:solidFill>
-                <a:latin typeface="Menlo" panose="020B0609030804020204" pitchFamily="49" charset="0"/>
-                <a:ea typeface="Menlo" panose="020B0609030804020204" pitchFamily="49" charset="0"/>
-                <a:cs typeface="Menlo" panose="020B0609030804020204" pitchFamily="49" charset="0"/>
-              </a:rPr>
-              <a:t>type</a:t>
-            </a:r>
-            <a:r>
-              <a:rPr lang="en-US" dirty="0">
-                <a:solidFill>
-                  <a:schemeClr val="accent6"/>
-                </a:solidFill>
-                <a:latin typeface="Menlo" panose="020B0609030804020204" pitchFamily="49" charset="0"/>
-                <a:ea typeface="Menlo" panose="020B0609030804020204" pitchFamily="49" charset="0"/>
-                <a:cs typeface="Menlo" panose="020B0609030804020204" pitchFamily="49" charset="0"/>
-              </a:rPr>
-              <a:t>, </a:t>
-            </a:r>
-            <a:r>
-              <a:rPr lang="en-US" dirty="0">
-                <a:solidFill>
-                  <a:srgbClr val="FFF700"/>
-                </a:solidFill>
-                <a:latin typeface="Menlo" panose="020B0609030804020204" pitchFamily="49" charset="0"/>
-                <a:ea typeface="Menlo" panose="020B0609030804020204" pitchFamily="49" charset="0"/>
-                <a:cs typeface="Menlo" panose="020B0609030804020204" pitchFamily="49" charset="0"/>
-              </a:rPr>
-              <a:t>type</a:t>
-            </a:r>
-            <a:r>
-              <a:rPr lang="en-US" dirty="0">
-                <a:solidFill>
-                  <a:schemeClr val="accent6"/>
-                </a:solidFill>
-                <a:latin typeface="Menlo" panose="020B0609030804020204" pitchFamily="49" charset="0"/>
-                <a:ea typeface="Menlo" panose="020B0609030804020204" pitchFamily="49" charset="0"/>
-                <a:cs typeface="Menlo" panose="020B0609030804020204" pitchFamily="49" charset="0"/>
-              </a:rPr>
-              <a:t>)</a:t>
-            </a:r>
-          </a:p>
-          <a:p>
-            <a:pPr marL="0" indent="0">
-              <a:buNone/>
-            </a:pPr>
-            <a:r>
-              <a:rPr lang="en-US" dirty="0">
-                <a:latin typeface="Menlo" panose="020B0609030804020204" pitchFamily="49" charset="0"/>
-                <a:ea typeface="Menlo" panose="020B0609030804020204" pitchFamily="49" charset="0"/>
-                <a:cs typeface="Menlo" panose="020B0609030804020204" pitchFamily="49" charset="0"/>
-              </a:rPr>
-              <a:t>True</a:t>
-            </a:r>
-          </a:p>
-          <a:p>
-            <a:pPr marL="0" indent="0">
-              <a:buNone/>
-            </a:pPr>
-            <a:r>
-              <a:rPr lang="en-US" dirty="0">
-                <a:latin typeface="Menlo" panose="020B0609030804020204" pitchFamily="49" charset="0"/>
-                <a:ea typeface="Menlo" panose="020B0609030804020204" pitchFamily="49" charset="0"/>
-                <a:cs typeface="Menlo" panose="020B0609030804020204" pitchFamily="49" charset="0"/>
-              </a:rPr>
-              <a:t>&gt;&gt;&gt; </a:t>
-            </a:r>
-            <a:r>
-              <a:rPr lang="en-US" dirty="0" err="1">
-                <a:solidFill>
-                  <a:schemeClr val="accent6"/>
-                </a:solidFill>
-                <a:latin typeface="Menlo" panose="020B0609030804020204" pitchFamily="49" charset="0"/>
-                <a:ea typeface="Menlo" panose="020B0609030804020204" pitchFamily="49" charset="0"/>
-                <a:cs typeface="Menlo" panose="020B0609030804020204" pitchFamily="49" charset="0"/>
-              </a:rPr>
-              <a:t>isinstance</a:t>
-            </a:r>
-            <a:r>
-              <a:rPr lang="en-US" dirty="0">
-                <a:solidFill>
-                  <a:schemeClr val="accent6"/>
-                </a:solidFill>
-                <a:latin typeface="Menlo" panose="020B0609030804020204" pitchFamily="49" charset="0"/>
-                <a:ea typeface="Menlo" panose="020B0609030804020204" pitchFamily="49" charset="0"/>
-                <a:cs typeface="Menlo" panose="020B0609030804020204" pitchFamily="49" charset="0"/>
-              </a:rPr>
-              <a:t>(</a:t>
-            </a:r>
-            <a:r>
-              <a:rPr lang="en-US" dirty="0">
-                <a:solidFill>
-                  <a:srgbClr val="F200FF"/>
-                </a:solidFill>
-                <a:latin typeface="Menlo" panose="020B0609030804020204" pitchFamily="49" charset="0"/>
-                <a:ea typeface="Menlo" panose="020B0609030804020204" pitchFamily="49" charset="0"/>
-                <a:cs typeface="Menlo" panose="020B0609030804020204" pitchFamily="49" charset="0"/>
-              </a:rPr>
-              <a:t>object</a:t>
-            </a:r>
-            <a:r>
-              <a:rPr lang="en-US" dirty="0">
-                <a:solidFill>
-                  <a:schemeClr val="accent6"/>
-                </a:solidFill>
-                <a:latin typeface="Menlo" panose="020B0609030804020204" pitchFamily="49" charset="0"/>
-                <a:ea typeface="Menlo" panose="020B0609030804020204" pitchFamily="49" charset="0"/>
-                <a:cs typeface="Menlo" panose="020B0609030804020204" pitchFamily="49" charset="0"/>
-              </a:rPr>
-              <a:t>, </a:t>
-            </a:r>
-            <a:r>
-              <a:rPr lang="en-US" dirty="0">
-                <a:solidFill>
-                  <a:srgbClr val="F200FF"/>
-                </a:solidFill>
-                <a:latin typeface="Menlo" panose="020B0609030804020204" pitchFamily="49" charset="0"/>
-                <a:ea typeface="Menlo" panose="020B0609030804020204" pitchFamily="49" charset="0"/>
-                <a:cs typeface="Menlo" panose="020B0609030804020204" pitchFamily="49" charset="0"/>
-              </a:rPr>
-              <a:t>object</a:t>
-            </a:r>
-            <a:r>
-              <a:rPr lang="en-US" dirty="0">
-                <a:solidFill>
-                  <a:schemeClr val="accent6"/>
-                </a:solidFill>
-                <a:latin typeface="Menlo" panose="020B0609030804020204" pitchFamily="49" charset="0"/>
-                <a:ea typeface="Menlo" panose="020B0609030804020204" pitchFamily="49" charset="0"/>
-                <a:cs typeface="Menlo" panose="020B0609030804020204" pitchFamily="49" charset="0"/>
-              </a:rPr>
-              <a:t>)</a:t>
-            </a:r>
-          </a:p>
-          <a:p>
-            <a:pPr marL="0" indent="0">
-              <a:buNone/>
-            </a:pPr>
-            <a:r>
-              <a:rPr lang="en-US" dirty="0">
-                <a:latin typeface="Menlo" panose="020B0609030804020204" pitchFamily="49" charset="0"/>
-                <a:ea typeface="Menlo" panose="020B0609030804020204" pitchFamily="49" charset="0"/>
-                <a:cs typeface="Menlo" panose="020B0609030804020204" pitchFamily="49" charset="0"/>
-              </a:rPr>
-              <a:t>True</a:t>
-            </a:r>
-          </a:p>
-          <a:p>
-            <a:pPr marL="0" indent="0">
-              <a:buNone/>
-            </a:pPr>
-            <a:r>
-              <a:rPr lang="en-US" dirty="0">
-                <a:latin typeface="Menlo" panose="020B0609030804020204" pitchFamily="49" charset="0"/>
-                <a:ea typeface="Menlo" panose="020B0609030804020204" pitchFamily="49" charset="0"/>
-                <a:cs typeface="Menlo" panose="020B0609030804020204" pitchFamily="49" charset="0"/>
-              </a:rPr>
-              <a:t>&gt;&gt;&gt; </a:t>
-            </a:r>
-            <a:r>
-              <a:rPr lang="en-US" dirty="0" err="1">
-                <a:solidFill>
-                  <a:schemeClr val="accent6"/>
-                </a:solidFill>
-                <a:latin typeface="Menlo" panose="020B0609030804020204" pitchFamily="49" charset="0"/>
-                <a:ea typeface="Menlo" panose="020B0609030804020204" pitchFamily="49" charset="0"/>
-                <a:cs typeface="Menlo" panose="020B0609030804020204" pitchFamily="49" charset="0"/>
-              </a:rPr>
-              <a:t>isinstance</a:t>
-            </a:r>
-            <a:r>
-              <a:rPr lang="en-US" dirty="0">
-                <a:solidFill>
-                  <a:schemeClr val="accent6"/>
-                </a:solidFill>
-                <a:latin typeface="Menlo" panose="020B0609030804020204" pitchFamily="49" charset="0"/>
-                <a:ea typeface="Menlo" panose="020B0609030804020204" pitchFamily="49" charset="0"/>
-                <a:cs typeface="Menlo" panose="020B0609030804020204" pitchFamily="49" charset="0"/>
-              </a:rPr>
-              <a:t>(1, </a:t>
-            </a:r>
-            <a:r>
-              <a:rPr lang="en-US" dirty="0">
-                <a:solidFill>
-                  <a:srgbClr val="F200FF"/>
-                </a:solidFill>
-                <a:latin typeface="Menlo" panose="020B0609030804020204" pitchFamily="49" charset="0"/>
-                <a:ea typeface="Menlo" panose="020B0609030804020204" pitchFamily="49" charset="0"/>
-                <a:cs typeface="Menlo" panose="020B0609030804020204" pitchFamily="49" charset="0"/>
-              </a:rPr>
-              <a:t>object</a:t>
-            </a:r>
-            <a:r>
-              <a:rPr lang="en-US" dirty="0">
-                <a:solidFill>
-                  <a:schemeClr val="accent6"/>
-                </a:solidFill>
-                <a:latin typeface="Menlo" panose="020B0609030804020204" pitchFamily="49" charset="0"/>
-                <a:ea typeface="Menlo" panose="020B0609030804020204" pitchFamily="49" charset="0"/>
-                <a:cs typeface="Menlo" panose="020B0609030804020204" pitchFamily="49" charset="0"/>
-              </a:rPr>
-              <a:t>)</a:t>
-            </a:r>
-          </a:p>
-          <a:p>
-            <a:pPr marL="0" indent="0">
-              <a:buNone/>
-            </a:pPr>
-            <a:r>
-              <a:rPr lang="en-US" dirty="0">
-                <a:latin typeface="Menlo" panose="020B0609030804020204" pitchFamily="49" charset="0"/>
-                <a:ea typeface="Menlo" panose="020B0609030804020204" pitchFamily="49" charset="0"/>
-                <a:cs typeface="Menlo" panose="020B0609030804020204" pitchFamily="49" charset="0"/>
-              </a:rPr>
-              <a:t>True</a:t>
-            </a:r>
-          </a:p>
-          <a:p>
-            <a:pPr marL="0" indent="0">
-              <a:buNone/>
-            </a:pPr>
-            <a:r>
-              <a:rPr lang="en-US" dirty="0">
-                <a:latin typeface="Menlo" panose="020B0609030804020204" pitchFamily="49" charset="0"/>
-                <a:ea typeface="Menlo" panose="020B0609030804020204" pitchFamily="49" charset="0"/>
-                <a:cs typeface="Menlo" panose="020B0609030804020204" pitchFamily="49" charset="0"/>
-              </a:rPr>
-              <a:t>&gt;&gt;&gt; </a:t>
-            </a:r>
-            <a:r>
-              <a:rPr lang="en-US" dirty="0" err="1">
-                <a:solidFill>
-                  <a:schemeClr val="accent6"/>
-                </a:solidFill>
-                <a:latin typeface="Menlo" panose="020B0609030804020204" pitchFamily="49" charset="0"/>
-                <a:ea typeface="Menlo" panose="020B0609030804020204" pitchFamily="49" charset="0"/>
-                <a:cs typeface="Menlo" panose="020B0609030804020204" pitchFamily="49" charset="0"/>
-              </a:rPr>
-              <a:t>isinstance</a:t>
-            </a:r>
-            <a:r>
-              <a:rPr lang="en-US" dirty="0">
-                <a:solidFill>
-                  <a:schemeClr val="accent6"/>
-                </a:solidFill>
-                <a:latin typeface="Menlo" panose="020B0609030804020204" pitchFamily="49" charset="0"/>
-                <a:ea typeface="Menlo" panose="020B0609030804020204" pitchFamily="49" charset="0"/>
-                <a:cs typeface="Menlo" panose="020B0609030804020204" pitchFamily="49" charset="0"/>
-              </a:rPr>
-              <a:t>(1, </a:t>
-            </a:r>
-            <a:r>
-              <a:rPr lang="en-US" dirty="0">
-                <a:solidFill>
-                  <a:srgbClr val="FFF700"/>
-                </a:solidFill>
-                <a:latin typeface="Menlo" panose="020B0609030804020204" pitchFamily="49" charset="0"/>
-                <a:ea typeface="Menlo" panose="020B0609030804020204" pitchFamily="49" charset="0"/>
-                <a:cs typeface="Menlo" panose="020B0609030804020204" pitchFamily="49" charset="0"/>
-              </a:rPr>
-              <a:t>type</a:t>
-            </a:r>
-            <a:r>
-              <a:rPr lang="en-US" dirty="0">
-                <a:solidFill>
-                  <a:schemeClr val="accent6"/>
-                </a:solidFill>
-                <a:latin typeface="Menlo" panose="020B0609030804020204" pitchFamily="49" charset="0"/>
-                <a:ea typeface="Menlo" panose="020B0609030804020204" pitchFamily="49" charset="0"/>
-                <a:cs typeface="Menlo" panose="020B0609030804020204" pitchFamily="49" charset="0"/>
-              </a:rPr>
-              <a:t>)</a:t>
-            </a:r>
-          </a:p>
-          <a:p>
-            <a:pPr marL="0" indent="0">
-              <a:buNone/>
-            </a:pPr>
-            <a:r>
-              <a:rPr lang="en-US" dirty="0">
-                <a:solidFill>
-                  <a:srgbClr val="FF0000"/>
-                </a:solidFill>
-                <a:latin typeface="Menlo" panose="020B0609030804020204" pitchFamily="49" charset="0"/>
-                <a:ea typeface="Menlo" panose="020B0609030804020204" pitchFamily="49" charset="0"/>
-                <a:cs typeface="Menlo" panose="020B0609030804020204" pitchFamily="49" charset="0"/>
-              </a:rPr>
-              <a:t>False</a:t>
-            </a:r>
-          </a:p>
-        </p:txBody>
-      </p:sp>
-    </p:spTree>
-    <p:extLst>
-      <p:ext uri="{BB962C8B-B14F-4D97-AF65-F5344CB8AC3E}">
-        <p14:creationId xmlns:p14="http://schemas.microsoft.com/office/powerpoint/2010/main" val="4261983690"/>
-      </p:ext>
-    </p:extLst>
-  </p:cSld>
-  <p:clrMapOvr>
-    <a:masterClrMapping/>
-  </p:clrMapOvr>
-  <p:timing>
-    <p:tnLst>
-      <p:par>
-        <p:cTn id="1" dur="indefinite" restart="never" nodeType="tmRoot">
-          <p:childTnLst>
-            <p:seq concurrent="1" nextAc="seek">
-              <p:cTn id="2" dur="indefinite" nodeType="mainSeq">
-                <p:childTnLst>
-                  <p:par>
-                    <p:cTn id="3" fill="hold">
-                      <p:stCondLst>
-                        <p:cond delay="indefinite"/>
-                      </p:stCondLst>
-                      <p:childTnLst>
-                        <p:par>
-                          <p:cTn id="4" fill="hold">
-                            <p:stCondLst>
-                              <p:cond delay="0"/>
-                            </p:stCondLst>
-                            <p:childTnLst>
-                              <p:par>
-                                <p:cTn id="5" presetID="1" presetClass="entr" presetSubtype="0" fill="hold" grpId="0" nodeType="clickEffect">
-                                  <p:stCondLst>
-                                    <p:cond delay="0"/>
-                                  </p:stCondLst>
-                                  <p:childTnLst>
-                                    <p:set>
-                                      <p:cBhvr>
-                                        <p:cTn id="6" dur="1" fill="hold">
-                                          <p:stCondLst>
-                                            <p:cond delay="0"/>
-                                          </p:stCondLst>
-                                        </p:cTn>
-                                        <p:tgtEl>
-                                          <p:spTgt spid="4">
-                                            <p:bg/>
-                                          </p:spTgt>
-                                        </p:tgtEl>
-                                        <p:attrNameLst>
-                                          <p:attrName>style.visibility</p:attrName>
-                                        </p:attrNameLst>
-                                      </p:cBhvr>
-                                      <p:to>
-                                        <p:strVal val="visible"/>
-                                      </p:to>
-                                    </p:set>
-                                  </p:childTnLst>
-                                </p:cTn>
-                              </p:par>
-                            </p:childTnLst>
-                          </p:cTn>
-                        </p:par>
-                      </p:childTnLst>
-                    </p:cTn>
-                  </p:par>
-                </p:childTnLst>
-              </p:cTn>
-              <p:prevCondLst>
-                <p:cond evt="onPrev" delay="0">
-                  <p:tgtEl>
-                    <p:sldTgt/>
-                  </p:tgtEl>
-                </p:cond>
-              </p:prevCondLst>
-              <p:nextCondLst>
-                <p:cond evt="onNext" delay="0">
-                  <p:tgtEl>
-                    <p:sldTgt/>
-                  </p:tgtEl>
-                </p:cond>
-              </p:nextCondLst>
-            </p:seq>
-          </p:childTnLst>
-        </p:cTn>
-      </p:par>
-    </p:tnLst>
-    <p:bldLst>
-      <p:bldP spid="4" grpId="0" uiExpand="1" build="p" animBg="1"/>
-    </p:bldLst>
-  </p:timing>
 </p:sld>
 </file>
 
